--- a/Presentation_Samuele_Ceol.pptx
+++ b/Presentation_Samuele_Ceol.pptx
@@ -5,7 +5,7 @@
     <p:sldMasterId id="2147483659" r:id="rId1"/>
   </p:sldMasterIdLst>
   <p:notesMasterIdLst>
-    <p:notesMasterId r:id="rId16"/>
+    <p:notesMasterId r:id="rId19"/>
   </p:notesMasterIdLst>
   <p:sldIdLst>
     <p:sldId id="256" r:id="rId2"/>
@@ -20,25 +20,21 @@
     <p:sldId id="293" r:id="rId11"/>
     <p:sldId id="294" r:id="rId12"/>
     <p:sldId id="295" r:id="rId13"/>
-    <p:sldId id="296" r:id="rId14"/>
-    <p:sldId id="286" r:id="rId15"/>
+    <p:sldId id="298" r:id="rId14"/>
+    <p:sldId id="299" r:id="rId15"/>
+    <p:sldId id="300" r:id="rId16"/>
+    <p:sldId id="296" r:id="rId17"/>
+    <p:sldId id="286" r:id="rId18"/>
   </p:sldIdLst>
   <p:sldSz cx="9144000" cy="5143500" type="screen16x9"/>
   <p:notesSz cx="6858000" cy="9144000"/>
   <p:embeddedFontLst>
     <p:embeddedFont>
       <p:font typeface="Avenir Next" panose="020B0503020202020204" pitchFamily="34" charset="0"/>
-      <p:regular r:id="rId17"/>
-      <p:bold r:id="rId18"/>
-      <p:italic r:id="rId19"/>
-      <p:boldItalic r:id="rId20"/>
-    </p:embeddedFont>
-    <p:embeddedFont>
-      <p:font typeface="Roboto" panose="02000000000000000000" pitchFamily="2" charset="0"/>
-      <p:regular r:id="rId21"/>
-      <p:bold r:id="rId22"/>
-      <p:italic r:id="rId23"/>
-      <p:boldItalic r:id="rId24"/>
+      <p:regular r:id="rId20"/>
+      <p:bold r:id="rId21"/>
+      <p:italic r:id="rId22"/>
+      <p:boldItalic r:id="rId23"/>
     </p:embeddedFont>
   </p:embeddedFontLst>
   <p:defaultTextStyle>
@@ -1038,19 +1034,7 @@
               </a:spcAft>
               <a:buNone/>
             </a:pPr>
-            <a:r>
-              <a:rPr lang="en" sz="1300">
-                <a:solidFill>
-                  <a:schemeClr val="dk1"/>
-                </a:solidFill>
-                <a:latin typeface="Roboto"/>
-                <a:ea typeface="Roboto"/>
-                <a:cs typeface="Roboto"/>
-                <a:sym typeface="Roboto"/>
-              </a:rPr>
-              <a:t>Lack of adaptability to real-world live networks (no ability to process traffic flows that can be split across multiple capture time windows)</a:t>
-            </a:r>
-            <a:endParaRPr/>
+            <a:endParaRPr dirty="0"/>
           </a:p>
         </p:txBody>
       </p:sp>
@@ -1162,19 +1146,7 @@
               </a:spcAft>
               <a:buNone/>
             </a:pPr>
-            <a:r>
-              <a:rPr lang="en" sz="1300">
-                <a:solidFill>
-                  <a:schemeClr val="dk1"/>
-                </a:solidFill>
-                <a:latin typeface="Roboto"/>
-                <a:ea typeface="Roboto"/>
-                <a:cs typeface="Roboto"/>
-                <a:sym typeface="Roboto"/>
-              </a:rPr>
-              <a:t>Lack of adaptability to real-world live networks (no ability to process traffic flows that can be split across multiple capture time windows)</a:t>
-            </a:r>
-            <a:endParaRPr/>
+            <a:endParaRPr dirty="0"/>
           </a:p>
         </p:txBody>
       </p:sp>
@@ -1286,19 +1258,343 @@
               </a:spcAft>
               <a:buNone/>
             </a:pPr>
-            <a:r>
-              <a:rPr lang="en" sz="1300">
-                <a:solidFill>
-                  <a:schemeClr val="dk1"/>
-                </a:solidFill>
-                <a:latin typeface="Roboto"/>
-                <a:ea typeface="Roboto"/>
-                <a:cs typeface="Roboto"/>
-                <a:sym typeface="Roboto"/>
-              </a:rPr>
-              <a:t>Lack of adaptability to real-world live networks (no ability to process traffic flows that can be split across multiple capture time windows)</a:t>
-            </a:r>
-            <a:endParaRPr/>
+            <a:endParaRPr dirty="0"/>
+          </a:p>
+        </p:txBody>
+      </p:sp>
+    </p:spTree>
+    <p:extLst>
+      <p:ext uri="{BB962C8B-B14F-4D97-AF65-F5344CB8AC3E}">
+        <p14:creationId xmlns:p14="http://schemas.microsoft.com/office/powerpoint/2010/main" val="2378941589"/>
+      </p:ext>
+    </p:extLst>
+  </p:cSld>
+  <p:clrMapOvr>
+    <a:masterClrMapping/>
+  </p:clrMapOvr>
+</p:notes>
+</file>
+
+<file path=ppt/notesSlides/notesSlide14.xml><?xml version="1.0" encoding="utf-8"?>
+<p:notes xmlns:a="http://schemas.openxmlformats.org/drawingml/2006/main" xmlns:r="http://schemas.openxmlformats.org/officeDocument/2006/relationships" xmlns:p="http://schemas.openxmlformats.org/presentationml/2006/main" showMasterSp="0" showMasterPhAnim="0">
+  <p:cSld>
+    <p:spTree>
+      <p:nvGrpSpPr>
+        <p:cNvPr id="1" name="Shape 63"/>
+        <p:cNvGrpSpPr/>
+        <p:nvPr/>
+      </p:nvGrpSpPr>
+      <p:grpSpPr>
+        <a:xfrm>
+          <a:off x="0" y="0"/>
+          <a:ext cx="0" cy="0"/>
+          <a:chOff x="0" y="0"/>
+          <a:chExt cx="0" cy="0"/>
+        </a:xfrm>
+      </p:grpSpPr>
+      <p:sp>
+        <p:nvSpPr>
+          <p:cNvPr id="64" name="Google Shape;64;g122d1f5c304_0_6:notes"/>
+          <p:cNvSpPr>
+            <a:spLocks noGrp="1" noRot="1" noChangeAspect="1"/>
+          </p:cNvSpPr>
+          <p:nvPr>
+            <p:ph type="sldImg" idx="2"/>
+          </p:nvPr>
+        </p:nvSpPr>
+        <p:spPr>
+          <a:xfrm>
+            <a:off x="381000" y="685800"/>
+            <a:ext cx="6096000" cy="3429000"/>
+          </a:xfrm>
+          <a:custGeom>
+            <a:avLst/>
+            <a:gdLst/>
+            <a:ahLst/>
+            <a:cxnLst/>
+            <a:rect l="l" t="t" r="r" b="b"/>
+            <a:pathLst>
+              <a:path w="120000" h="120000" extrusionOk="0">
+                <a:moveTo>
+                  <a:pt x="0" y="0"/>
+                </a:moveTo>
+                <a:lnTo>
+                  <a:pt x="120000" y="0"/>
+                </a:lnTo>
+                <a:lnTo>
+                  <a:pt x="120000" y="120000"/>
+                </a:lnTo>
+                <a:lnTo>
+                  <a:pt x="0" y="120000"/>
+                </a:lnTo>
+                <a:close/>
+              </a:path>
+            </a:pathLst>
+          </a:custGeom>
+        </p:spPr>
+      </p:sp>
+      <p:sp>
+        <p:nvSpPr>
+          <p:cNvPr id="65" name="Google Shape;65;g122d1f5c304_0_6:notes"/>
+          <p:cNvSpPr txBox="1">
+            <a:spLocks noGrp="1"/>
+          </p:cNvSpPr>
+          <p:nvPr>
+            <p:ph type="body" idx="1"/>
+          </p:nvPr>
+        </p:nvSpPr>
+        <p:spPr>
+          <a:xfrm>
+            <a:off x="685800" y="4343400"/>
+            <a:ext cx="5486400" cy="4114800"/>
+          </a:xfrm>
+          <a:prstGeom prst="rect">
+            <a:avLst/>
+          </a:prstGeom>
+        </p:spPr>
+        <p:txBody>
+          <a:bodyPr spcFirstLastPara="1" wrap="square" lIns="91425" tIns="91425" rIns="91425" bIns="91425" anchor="t" anchorCtr="0">
+            <a:noAutofit/>
+          </a:bodyPr>
+          <a:lstStyle/>
+          <a:p>
+            <a:pPr marL="0" lvl="0" indent="0" algn="l" rtl="0">
+              <a:lnSpc>
+                <a:spcPct val="115000"/>
+              </a:lnSpc>
+              <a:spcBef>
+                <a:spcPts val="0"/>
+              </a:spcBef>
+              <a:spcAft>
+                <a:spcPts val="1000"/>
+              </a:spcAft>
+              <a:buNone/>
+            </a:pPr>
+            <a:endParaRPr dirty="0"/>
+          </a:p>
+        </p:txBody>
+      </p:sp>
+    </p:spTree>
+    <p:extLst>
+      <p:ext uri="{BB962C8B-B14F-4D97-AF65-F5344CB8AC3E}">
+        <p14:creationId xmlns:p14="http://schemas.microsoft.com/office/powerpoint/2010/main" val="2805012807"/>
+      </p:ext>
+    </p:extLst>
+  </p:cSld>
+  <p:clrMapOvr>
+    <a:masterClrMapping/>
+  </p:clrMapOvr>
+</p:notes>
+</file>
+
+<file path=ppt/notesSlides/notesSlide15.xml><?xml version="1.0" encoding="utf-8"?>
+<p:notes xmlns:a="http://schemas.openxmlformats.org/drawingml/2006/main" xmlns:r="http://schemas.openxmlformats.org/officeDocument/2006/relationships" xmlns:p="http://schemas.openxmlformats.org/presentationml/2006/main" showMasterSp="0" showMasterPhAnim="0">
+  <p:cSld>
+    <p:spTree>
+      <p:nvGrpSpPr>
+        <p:cNvPr id="1" name="Shape 63"/>
+        <p:cNvGrpSpPr/>
+        <p:nvPr/>
+      </p:nvGrpSpPr>
+      <p:grpSpPr>
+        <a:xfrm>
+          <a:off x="0" y="0"/>
+          <a:ext cx="0" cy="0"/>
+          <a:chOff x="0" y="0"/>
+          <a:chExt cx="0" cy="0"/>
+        </a:xfrm>
+      </p:grpSpPr>
+      <p:sp>
+        <p:nvSpPr>
+          <p:cNvPr id="64" name="Google Shape;64;g122d1f5c304_0_6:notes"/>
+          <p:cNvSpPr>
+            <a:spLocks noGrp="1" noRot="1" noChangeAspect="1"/>
+          </p:cNvSpPr>
+          <p:nvPr>
+            <p:ph type="sldImg" idx="2"/>
+          </p:nvPr>
+        </p:nvSpPr>
+        <p:spPr>
+          <a:xfrm>
+            <a:off x="381000" y="685800"/>
+            <a:ext cx="6096000" cy="3429000"/>
+          </a:xfrm>
+          <a:custGeom>
+            <a:avLst/>
+            <a:gdLst/>
+            <a:ahLst/>
+            <a:cxnLst/>
+            <a:rect l="l" t="t" r="r" b="b"/>
+            <a:pathLst>
+              <a:path w="120000" h="120000" extrusionOk="0">
+                <a:moveTo>
+                  <a:pt x="0" y="0"/>
+                </a:moveTo>
+                <a:lnTo>
+                  <a:pt x="120000" y="0"/>
+                </a:lnTo>
+                <a:lnTo>
+                  <a:pt x="120000" y="120000"/>
+                </a:lnTo>
+                <a:lnTo>
+                  <a:pt x="0" y="120000"/>
+                </a:lnTo>
+                <a:close/>
+              </a:path>
+            </a:pathLst>
+          </a:custGeom>
+        </p:spPr>
+      </p:sp>
+      <p:sp>
+        <p:nvSpPr>
+          <p:cNvPr id="65" name="Google Shape;65;g122d1f5c304_0_6:notes"/>
+          <p:cNvSpPr txBox="1">
+            <a:spLocks noGrp="1"/>
+          </p:cNvSpPr>
+          <p:nvPr>
+            <p:ph type="body" idx="1"/>
+          </p:nvPr>
+        </p:nvSpPr>
+        <p:spPr>
+          <a:xfrm>
+            <a:off x="685800" y="4343400"/>
+            <a:ext cx="5486400" cy="4114800"/>
+          </a:xfrm>
+          <a:prstGeom prst="rect">
+            <a:avLst/>
+          </a:prstGeom>
+        </p:spPr>
+        <p:txBody>
+          <a:bodyPr spcFirstLastPara="1" wrap="square" lIns="91425" tIns="91425" rIns="91425" bIns="91425" anchor="t" anchorCtr="0">
+            <a:noAutofit/>
+          </a:bodyPr>
+          <a:lstStyle/>
+          <a:p>
+            <a:pPr marL="0" lvl="0" indent="0" algn="l" rtl="0">
+              <a:lnSpc>
+                <a:spcPct val="115000"/>
+              </a:lnSpc>
+              <a:spcBef>
+                <a:spcPts val="0"/>
+              </a:spcBef>
+              <a:spcAft>
+                <a:spcPts val="1000"/>
+              </a:spcAft>
+              <a:buNone/>
+            </a:pPr>
+            <a:endParaRPr dirty="0"/>
+          </a:p>
+        </p:txBody>
+      </p:sp>
+    </p:spTree>
+    <p:extLst>
+      <p:ext uri="{BB962C8B-B14F-4D97-AF65-F5344CB8AC3E}">
+        <p14:creationId xmlns:p14="http://schemas.microsoft.com/office/powerpoint/2010/main" val="2949522473"/>
+      </p:ext>
+    </p:extLst>
+  </p:cSld>
+  <p:clrMapOvr>
+    <a:masterClrMapping/>
+  </p:clrMapOvr>
+</p:notes>
+</file>
+
+<file path=ppt/notesSlides/notesSlide16.xml><?xml version="1.0" encoding="utf-8"?>
+<p:notes xmlns:a="http://schemas.openxmlformats.org/drawingml/2006/main" xmlns:r="http://schemas.openxmlformats.org/officeDocument/2006/relationships" xmlns:p="http://schemas.openxmlformats.org/presentationml/2006/main" showMasterSp="0" showMasterPhAnim="0">
+  <p:cSld>
+    <p:spTree>
+      <p:nvGrpSpPr>
+        <p:cNvPr id="1" name="Shape 63"/>
+        <p:cNvGrpSpPr/>
+        <p:nvPr/>
+      </p:nvGrpSpPr>
+      <p:grpSpPr>
+        <a:xfrm>
+          <a:off x="0" y="0"/>
+          <a:ext cx="0" cy="0"/>
+          <a:chOff x="0" y="0"/>
+          <a:chExt cx="0" cy="0"/>
+        </a:xfrm>
+      </p:grpSpPr>
+      <p:sp>
+        <p:nvSpPr>
+          <p:cNvPr id="64" name="Google Shape;64;g122d1f5c304_0_6:notes"/>
+          <p:cNvSpPr>
+            <a:spLocks noGrp="1" noRot="1" noChangeAspect="1"/>
+          </p:cNvSpPr>
+          <p:nvPr>
+            <p:ph type="sldImg" idx="2"/>
+          </p:nvPr>
+        </p:nvSpPr>
+        <p:spPr>
+          <a:xfrm>
+            <a:off x="381000" y="685800"/>
+            <a:ext cx="6096000" cy="3429000"/>
+          </a:xfrm>
+          <a:custGeom>
+            <a:avLst/>
+            <a:gdLst/>
+            <a:ahLst/>
+            <a:cxnLst/>
+            <a:rect l="l" t="t" r="r" b="b"/>
+            <a:pathLst>
+              <a:path w="120000" h="120000" extrusionOk="0">
+                <a:moveTo>
+                  <a:pt x="0" y="0"/>
+                </a:moveTo>
+                <a:lnTo>
+                  <a:pt x="120000" y="0"/>
+                </a:lnTo>
+                <a:lnTo>
+                  <a:pt x="120000" y="120000"/>
+                </a:lnTo>
+                <a:lnTo>
+                  <a:pt x="0" y="120000"/>
+                </a:lnTo>
+                <a:close/>
+              </a:path>
+            </a:pathLst>
+          </a:custGeom>
+        </p:spPr>
+      </p:sp>
+      <p:sp>
+        <p:nvSpPr>
+          <p:cNvPr id="65" name="Google Shape;65;g122d1f5c304_0_6:notes"/>
+          <p:cNvSpPr txBox="1">
+            <a:spLocks noGrp="1"/>
+          </p:cNvSpPr>
+          <p:nvPr>
+            <p:ph type="body" idx="1"/>
+          </p:nvPr>
+        </p:nvSpPr>
+        <p:spPr>
+          <a:xfrm>
+            <a:off x="685800" y="4343400"/>
+            <a:ext cx="5486400" cy="4114800"/>
+          </a:xfrm>
+          <a:prstGeom prst="rect">
+            <a:avLst/>
+          </a:prstGeom>
+        </p:spPr>
+        <p:txBody>
+          <a:bodyPr spcFirstLastPara="1" wrap="square" lIns="91425" tIns="91425" rIns="91425" bIns="91425" anchor="t" anchorCtr="0">
+            <a:noAutofit/>
+          </a:bodyPr>
+          <a:lstStyle/>
+          <a:p>
+            <a:pPr marL="0" lvl="0" indent="0" algn="l" rtl="0">
+              <a:lnSpc>
+                <a:spcPct val="115000"/>
+              </a:lnSpc>
+              <a:spcBef>
+                <a:spcPts val="0"/>
+              </a:spcBef>
+              <a:spcAft>
+                <a:spcPts val="1000"/>
+              </a:spcAft>
+              <a:buNone/>
+            </a:pPr>
+            <a:endParaRPr dirty="0"/>
           </a:p>
         </p:txBody>
       </p:sp>
@@ -1315,7 +1611,7 @@
 </p:notes>
 </file>
 
-<file path=ppt/notesSlides/notesSlide14.xml><?xml version="1.0" encoding="utf-8"?>
+<file path=ppt/notesSlides/notesSlide17.xml><?xml version="1.0" encoding="utf-8"?>
 <p:notes xmlns:a="http://schemas.openxmlformats.org/drawingml/2006/main" xmlns:r="http://schemas.openxmlformats.org/officeDocument/2006/relationships" xmlns:p="http://schemas.openxmlformats.org/presentationml/2006/main" showMasterSp="0" showMasterPhAnim="0">
   <p:cSld>
     <p:spTree>
@@ -1515,18 +1811,14 @@
               <a:buNone/>
             </a:pPr>
             <a:r>
-              <a:rPr lang="en" sz="1300">
-                <a:solidFill>
-                  <a:schemeClr val="dk1"/>
-                </a:solidFill>
-                <a:latin typeface="Roboto"/>
-                <a:ea typeface="Roboto"/>
-                <a:cs typeface="Roboto"/>
-                <a:sym typeface="Roboto"/>
-              </a:rPr>
-              <a:t>Lack of adaptability to real-world live networks (no ability to process traffic flows that can be split across multiple capture time windows)</a:t>
-            </a:r>
-            <a:endParaRPr/>
+              <a:rPr lang="en-GB" dirty="0" err="1"/>
+              <a:t>Eurac</a:t>
+            </a:r>
+            <a:r>
+              <a:rPr lang="en-GB" dirty="0"/>
+              <a:t> Climate and Disaster Research Group </a:t>
+            </a:r>
+            <a:endParaRPr dirty="0"/>
           </a:p>
         </p:txBody>
       </p:sp>
@@ -1633,19 +1925,7 @@
               </a:spcAft>
               <a:buNone/>
             </a:pPr>
-            <a:r>
-              <a:rPr lang="en" sz="1300">
-                <a:solidFill>
-                  <a:schemeClr val="dk1"/>
-                </a:solidFill>
-                <a:latin typeface="Roboto"/>
-                <a:ea typeface="Roboto"/>
-                <a:cs typeface="Roboto"/>
-                <a:sym typeface="Roboto"/>
-              </a:rPr>
-              <a:t>Lack of adaptability to real-world live networks (no ability to process traffic flows that can be split across multiple capture time windows)</a:t>
-            </a:r>
-            <a:endParaRPr/>
+            <a:endParaRPr dirty="0"/>
           </a:p>
         </p:txBody>
       </p:sp>
@@ -1757,19 +2037,7 @@
               </a:spcAft>
               <a:buNone/>
             </a:pPr>
-            <a:r>
-              <a:rPr lang="en" sz="1300">
-                <a:solidFill>
-                  <a:schemeClr val="dk1"/>
-                </a:solidFill>
-                <a:latin typeface="Roboto"/>
-                <a:ea typeface="Roboto"/>
-                <a:cs typeface="Roboto"/>
-                <a:sym typeface="Roboto"/>
-              </a:rPr>
-              <a:t>Lack of adaptability to real-world live networks (no ability to process traffic flows that can be split across multiple capture time windows)</a:t>
-            </a:r>
-            <a:endParaRPr/>
+            <a:endParaRPr dirty="0"/>
           </a:p>
         </p:txBody>
       </p:sp>
@@ -1990,19 +2258,7 @@
               </a:spcAft>
               <a:buNone/>
             </a:pPr>
-            <a:r>
-              <a:rPr lang="en" sz="1300">
-                <a:solidFill>
-                  <a:schemeClr val="dk1"/>
-                </a:solidFill>
-                <a:latin typeface="Roboto"/>
-                <a:ea typeface="Roboto"/>
-                <a:cs typeface="Roboto"/>
-                <a:sym typeface="Roboto"/>
-              </a:rPr>
-              <a:t>Lack of adaptability to real-world live networks (no ability to process traffic flows that can be split across multiple capture time windows)</a:t>
-            </a:r>
-            <a:endParaRPr/>
+            <a:endParaRPr dirty="0"/>
           </a:p>
         </p:txBody>
       </p:sp>
@@ -2114,19 +2370,7 @@
               </a:spcAft>
               <a:buNone/>
             </a:pPr>
-            <a:r>
-              <a:rPr lang="en" sz="1300">
-                <a:solidFill>
-                  <a:schemeClr val="dk1"/>
-                </a:solidFill>
-                <a:latin typeface="Roboto"/>
-                <a:ea typeface="Roboto"/>
-                <a:cs typeface="Roboto"/>
-                <a:sym typeface="Roboto"/>
-              </a:rPr>
-              <a:t>Lack of adaptability to real-world live networks (no ability to process traffic flows that can be split across multiple capture time windows)</a:t>
-            </a:r>
-            <a:endParaRPr/>
+            <a:endParaRPr dirty="0"/>
           </a:p>
         </p:txBody>
       </p:sp>
@@ -2238,19 +2482,7 @@
               </a:spcAft>
               <a:buNone/>
             </a:pPr>
-            <a:r>
-              <a:rPr lang="en" sz="1300">
-                <a:solidFill>
-                  <a:schemeClr val="dk1"/>
-                </a:solidFill>
-                <a:latin typeface="Roboto"/>
-                <a:ea typeface="Roboto"/>
-                <a:cs typeface="Roboto"/>
-                <a:sym typeface="Roboto"/>
-              </a:rPr>
-              <a:t>Lack of adaptability to real-world live networks (no ability to process traffic flows that can be split across multiple capture time windows)</a:t>
-            </a:r>
-            <a:endParaRPr/>
+            <a:endParaRPr dirty="0"/>
           </a:p>
         </p:txBody>
       </p:sp>
@@ -2362,19 +2594,7 @@
               </a:spcAft>
               <a:buNone/>
             </a:pPr>
-            <a:r>
-              <a:rPr lang="en" sz="1300">
-                <a:solidFill>
-                  <a:schemeClr val="dk1"/>
-                </a:solidFill>
-                <a:latin typeface="Roboto"/>
-                <a:ea typeface="Roboto"/>
-                <a:cs typeface="Roboto"/>
-                <a:sym typeface="Roboto"/>
-              </a:rPr>
-              <a:t>Lack of adaptability to real-world live networks (no ability to process traffic flows that can be split across multiple capture time windows)</a:t>
-            </a:r>
-            <a:endParaRPr/>
+            <a:endParaRPr dirty="0"/>
           </a:p>
         </p:txBody>
       </p:sp>
@@ -7729,6 +7949,8 @@
                 <a:schemeClr val="dk1"/>
               </a:buClr>
               <a:buSzPts val="1100"/>
+              <a:buFont typeface="Arial" panose="020B0604020202020204" pitchFamily="34" charset="0"/>
+              <a:buChar char="•"/>
             </a:pPr>
             <a:r>
               <a:rPr lang="en-GB" sz="1200" dirty="0">
@@ -7740,7 +7962,7 @@
                 <a:cs typeface="Roboto"/>
                 <a:sym typeface="Roboto"/>
               </a:rPr>
-              <a:t>20 classes</a:t>
+              <a:t>20 classes.</a:t>
             </a:r>
           </a:p>
           <a:p>
@@ -7752,6 +7974,8 @@
                 <a:schemeClr val="dk1"/>
               </a:buClr>
               <a:buSzPts val="1100"/>
+              <a:buFont typeface="Arial" panose="020B0604020202020204" pitchFamily="34" charset="0"/>
+              <a:buChar char="•"/>
             </a:pPr>
             <a:r>
               <a:rPr lang="en-GB" sz="1200" dirty="0">
@@ -7763,7 +7987,7 @@
                 <a:cs typeface="Roboto"/>
                 <a:sym typeface="Roboto"/>
               </a:rPr>
-              <a:t>26 object properties</a:t>
+              <a:t>26 object properties.</a:t>
             </a:r>
           </a:p>
           <a:p>
@@ -7775,6 +7999,8 @@
                 <a:schemeClr val="dk1"/>
               </a:buClr>
               <a:buSzPts val="1100"/>
+              <a:buFont typeface="Arial" panose="020B0604020202020204" pitchFamily="34" charset="0"/>
+              <a:buChar char="•"/>
             </a:pPr>
             <a:r>
               <a:rPr lang="en-GB" sz="1200" dirty="0">
@@ -7786,7 +8012,7 @@
                 <a:cs typeface="Roboto"/>
                 <a:sym typeface="Roboto"/>
               </a:rPr>
-              <a:t>59 data properties</a:t>
+              <a:t>59 data properties.</a:t>
             </a:r>
           </a:p>
           <a:p>
@@ -7806,8 +8032,219 @@
               <a:sym typeface="Roboto"/>
             </a:endParaRPr>
           </a:p>
+          <a:p>
+            <a:pPr marL="0" indent="0">
+              <a:buClr>
+                <a:schemeClr val="dk1"/>
+              </a:buClr>
+              <a:buSzPts val="1100"/>
+              <a:buNone/>
+            </a:pPr>
+            <a:r>
+              <a:rPr lang="en-GB" sz="1200" dirty="0">
+                <a:solidFill>
+                  <a:schemeClr val="dk1"/>
+                </a:solidFill>
+                <a:latin typeface="Avenir Next" panose="020B0503020202020204" pitchFamily="34" charset="0"/>
+                <a:ea typeface="Roboto"/>
+                <a:cs typeface="Roboto"/>
+                <a:sym typeface="Roboto"/>
+              </a:rPr>
+              <a:t>Follows, for the most part, the structure of the DB.</a:t>
+            </a:r>
+          </a:p>
+          <a:p>
+            <a:pPr marL="0" indent="0">
+              <a:buClr>
+                <a:schemeClr val="dk1"/>
+              </a:buClr>
+              <a:buSzPts val="1100"/>
+              <a:buNone/>
+            </a:pPr>
+            <a:endParaRPr lang="en-GB" sz="1200" dirty="0">
+              <a:solidFill>
+                <a:schemeClr val="dk1"/>
+              </a:solidFill>
+              <a:latin typeface="Avenir Next" panose="020B0503020202020204" pitchFamily="34" charset="0"/>
+              <a:ea typeface="Roboto"/>
+              <a:cs typeface="Roboto"/>
+              <a:sym typeface="Roboto"/>
+            </a:endParaRPr>
+          </a:p>
+          <a:p>
+            <a:pPr marL="0" indent="0">
+              <a:buClr>
+                <a:schemeClr val="dk1"/>
+              </a:buClr>
+              <a:buSzPts val="1100"/>
+              <a:buNone/>
+            </a:pPr>
+            <a:r>
+              <a:rPr lang="en-GB" sz="1200" dirty="0">
+                <a:solidFill>
+                  <a:schemeClr val="dk1"/>
+                </a:solidFill>
+                <a:latin typeface="Avenir Next" panose="020B0503020202020204" pitchFamily="34" charset="0"/>
+                <a:ea typeface="Roboto"/>
+                <a:cs typeface="Roboto"/>
+                <a:sym typeface="Roboto"/>
+              </a:rPr>
+              <a:t>Notable exceptions:</a:t>
+            </a:r>
+          </a:p>
+          <a:p>
+            <a:pPr marL="171450" indent="-171450">
+              <a:buClr>
+                <a:schemeClr val="dk1"/>
+              </a:buClr>
+              <a:buSzPts val="1100"/>
+              <a:buFont typeface="Arial" panose="020B0604020202020204" pitchFamily="34" charset="0"/>
+              <a:buChar char="•"/>
+            </a:pPr>
+            <a:r>
+              <a:rPr lang="en-GB" sz="1200" b="1" dirty="0">
+                <a:solidFill>
+                  <a:schemeClr val="dk1"/>
+                </a:solidFill>
+                <a:latin typeface="Avenir Next" panose="020B0503020202020204" pitchFamily="34" charset="0"/>
+                <a:ea typeface="Roboto"/>
+                <a:cs typeface="Roboto"/>
+                <a:sym typeface="Roboto"/>
+              </a:rPr>
+              <a:t>Factor </a:t>
+            </a:r>
+            <a:r>
+              <a:rPr lang="en-GB" sz="1200" dirty="0">
+                <a:solidFill>
+                  <a:schemeClr val="dk1"/>
+                </a:solidFill>
+                <a:latin typeface="Avenir Next" panose="020B0503020202020204" pitchFamily="34" charset="0"/>
+                <a:ea typeface="Roboto"/>
+                <a:cs typeface="Roboto"/>
+                <a:sym typeface="Roboto"/>
+              </a:rPr>
+              <a:t>and </a:t>
+            </a:r>
+            <a:r>
+              <a:rPr lang="en-GB" sz="1200" b="1" dirty="0">
+                <a:solidFill>
+                  <a:schemeClr val="dk1"/>
+                </a:solidFill>
+                <a:latin typeface="Avenir Next" panose="020B0503020202020204" pitchFamily="34" charset="0"/>
+                <a:ea typeface="Roboto"/>
+                <a:cs typeface="Roboto"/>
+                <a:sym typeface="Roboto"/>
+              </a:rPr>
+              <a:t>Factor descriptor </a:t>
+            </a:r>
+            <a:r>
+              <a:rPr lang="en-GB" sz="1200" dirty="0">
+                <a:solidFill>
+                  <a:schemeClr val="dk1"/>
+                </a:solidFill>
+                <a:latin typeface="Avenir Next" panose="020B0503020202020204" pitchFamily="34" charset="0"/>
+                <a:ea typeface="Roboto"/>
+                <a:cs typeface="Roboto"/>
+                <a:sym typeface="Roboto"/>
+              </a:rPr>
+              <a:t>classes.</a:t>
+            </a:r>
+          </a:p>
+          <a:p>
+            <a:pPr marL="171450" indent="-171450">
+              <a:buClr>
+                <a:schemeClr val="dk1"/>
+              </a:buClr>
+              <a:buSzPts val="1100"/>
+              <a:buFont typeface="Arial" panose="020B0604020202020204" pitchFamily="34" charset="0"/>
+              <a:buChar char="•"/>
+            </a:pPr>
+            <a:r>
+              <a:rPr lang="en-GB" sz="1200" dirty="0">
+                <a:solidFill>
+                  <a:schemeClr val="dk1"/>
+                </a:solidFill>
+                <a:latin typeface="Avenir Next" panose="020B0503020202020204" pitchFamily="34" charset="0"/>
+                <a:ea typeface="Roboto"/>
+                <a:cs typeface="Roboto"/>
+                <a:sym typeface="Roboto"/>
+              </a:rPr>
+              <a:t>Class hierarchy for </a:t>
+            </a:r>
+            <a:r>
+              <a:rPr lang="en-GB" sz="1200" b="1" dirty="0">
+                <a:solidFill>
+                  <a:schemeClr val="dk1"/>
+                </a:solidFill>
+                <a:latin typeface="Avenir Next" panose="020B0503020202020204" pitchFamily="34" charset="0"/>
+                <a:ea typeface="Roboto"/>
+                <a:cs typeface="Roboto"/>
+                <a:sym typeface="Roboto"/>
+              </a:rPr>
+              <a:t>location data</a:t>
+            </a:r>
+            <a:r>
+              <a:rPr lang="en-GB" sz="1200" dirty="0">
+                <a:solidFill>
+                  <a:schemeClr val="dk1"/>
+                </a:solidFill>
+                <a:latin typeface="Avenir Next" panose="020B0503020202020204" pitchFamily="34" charset="0"/>
+                <a:ea typeface="Roboto"/>
+                <a:cs typeface="Roboto"/>
+                <a:sym typeface="Roboto"/>
+              </a:rPr>
+              <a:t>.</a:t>
+            </a:r>
+          </a:p>
+          <a:p>
+            <a:pPr marL="171450" indent="-171450">
+              <a:buClr>
+                <a:schemeClr val="dk1"/>
+              </a:buClr>
+              <a:buSzPts val="1100"/>
+            </a:pPr>
+            <a:endParaRPr lang="en-GB" sz="1200" b="1" dirty="0">
+              <a:solidFill>
+                <a:schemeClr val="dk1"/>
+              </a:solidFill>
+              <a:latin typeface="Avenir Next" panose="020B0503020202020204" pitchFamily="34" charset="0"/>
+              <a:ea typeface="Roboto"/>
+              <a:cs typeface="Roboto"/>
+              <a:sym typeface="Roboto"/>
+            </a:endParaRPr>
+          </a:p>
         </p:txBody>
       </p:sp>
+      <p:pic>
+        <p:nvPicPr>
+          <p:cNvPr id="2" name="Picture 1" descr="Diagram, schematic&#10;&#10;Description automatically generated">
+            <a:extLst>
+              <a:ext uri="{FF2B5EF4-FFF2-40B4-BE49-F238E27FC236}">
+                <a16:creationId xmlns:a16="http://schemas.microsoft.com/office/drawing/2014/main" id="{CE8096F5-70FE-1B1D-12CA-12FBFD7D44F3}"/>
+              </a:ext>
+            </a:extLst>
+          </p:cNvPr>
+          <p:cNvPicPr>
+            <a:picLocks noChangeAspect="1"/>
+          </p:cNvPicPr>
+          <p:nvPr/>
+        </p:nvPicPr>
+        <p:blipFill>
+          <a:blip r:embed="rId3"/>
+          <a:stretch>
+            <a:fillRect/>
+          </a:stretch>
+        </p:blipFill>
+        <p:spPr>
+          <a:xfrm>
+            <a:off x="3862817" y="1253837"/>
+            <a:ext cx="5281183" cy="3176758"/>
+          </a:xfrm>
+          <a:prstGeom prst="rect">
+            <a:avLst/>
+          </a:prstGeom>
+        </p:spPr>
+      </p:pic>
     </p:spTree>
     <p:extLst>
       <p:ext uri="{BB962C8B-B14F-4D97-AF65-F5344CB8AC3E}">
@@ -7879,7 +8316,7 @@
                 <a:cs typeface="Roboto"/>
                 <a:sym typeface="Roboto"/>
               </a:rPr>
-              <a:t>Mappings</a:t>
+              <a:t>Mapping patterns - Entity</a:t>
             </a:r>
             <a:endParaRPr b="1" dirty="0">
               <a:latin typeface="Avenir Next" panose="020B0503020202020204" pitchFamily="34" charset="0"/>
@@ -7890,66 +8327,161 @@
           </a:p>
         </p:txBody>
       </p:sp>
-      <p:sp>
-        <p:nvSpPr>
-          <p:cNvPr id="68" name="Google Shape;68;p15"/>
-          <p:cNvSpPr txBox="1">
-            <a:spLocks noGrp="1"/>
-          </p:cNvSpPr>
-          <p:nvPr>
-            <p:ph type="body" idx="1"/>
-          </p:nvPr>
-        </p:nvSpPr>
+      <p:pic>
+        <p:nvPicPr>
+          <p:cNvPr id="3" name="Picture 2" descr="Graphical user interface, text, application&#10;&#10;Description automatically generated">
+            <a:extLst>
+              <a:ext uri="{FF2B5EF4-FFF2-40B4-BE49-F238E27FC236}">
+                <a16:creationId xmlns:a16="http://schemas.microsoft.com/office/drawing/2014/main" id="{9195E975-24B6-2020-F6E2-BC606B4B54AB}"/>
+              </a:ext>
+            </a:extLst>
+          </p:cNvPr>
+          <p:cNvPicPr>
+            <a:picLocks noChangeAspect="1"/>
+          </p:cNvPicPr>
+          <p:nvPr/>
+        </p:nvPicPr>
+        <p:blipFill>
+          <a:blip r:embed="rId3"/>
+          <a:stretch>
+            <a:fillRect/>
+          </a:stretch>
+        </p:blipFill>
         <p:spPr>
           <a:xfrm>
-            <a:off x="311700" y="1152475"/>
-            <a:ext cx="8520600" cy="3416400"/>
+            <a:off x="4994053" y="1417829"/>
+            <a:ext cx="3838247" cy="3280646"/>
           </a:xfrm>
           <a:prstGeom prst="rect">
             <a:avLst/>
           </a:prstGeom>
         </p:spPr>
+      </p:pic>
+      <p:pic>
+        <p:nvPicPr>
+          <p:cNvPr id="5" name="Picture 4" descr="Graphical user interface, text&#10;&#10;Description automatically generated">
+            <a:extLst>
+              <a:ext uri="{FF2B5EF4-FFF2-40B4-BE49-F238E27FC236}">
+                <a16:creationId xmlns:a16="http://schemas.microsoft.com/office/drawing/2014/main" id="{643AFF2C-1D83-1302-FBCD-7012650F37D5}"/>
+              </a:ext>
+            </a:extLst>
+          </p:cNvPr>
+          <p:cNvPicPr>
+            <a:picLocks noChangeAspect="1"/>
+          </p:cNvPicPr>
+          <p:nvPr/>
+        </p:nvPicPr>
+        <p:blipFill>
+          <a:blip r:embed="rId4"/>
+          <a:stretch>
+            <a:fillRect/>
+          </a:stretch>
+        </p:blipFill>
+        <p:spPr>
+          <a:xfrm>
+            <a:off x="719523" y="1245725"/>
+            <a:ext cx="3499698" cy="1326025"/>
+          </a:xfrm>
+          <a:prstGeom prst="rect">
+            <a:avLst/>
+          </a:prstGeom>
+        </p:spPr>
+      </p:pic>
+      <p:sp>
+        <p:nvSpPr>
+          <p:cNvPr id="8" name="TextBox 7">
+            <a:extLst>
+              <a:ext uri="{FF2B5EF4-FFF2-40B4-BE49-F238E27FC236}">
+                <a16:creationId xmlns:a16="http://schemas.microsoft.com/office/drawing/2014/main" id="{CCC44819-2146-9C3E-87B0-8FF8B140D98E}"/>
+              </a:ext>
+            </a:extLst>
+          </p:cNvPr>
+          <p:cNvSpPr txBox="1"/>
+          <p:nvPr/>
+        </p:nvSpPr>
+        <p:spPr>
+          <a:xfrm>
+            <a:off x="450272" y="2885027"/>
+            <a:ext cx="4543782" cy="1177245"/>
+          </a:xfrm>
+          <a:prstGeom prst="rect">
+            <a:avLst/>
+          </a:prstGeom>
+          <a:noFill/>
+        </p:spPr>
         <p:txBody>
-          <a:bodyPr spcFirstLastPara="1" wrap="square" lIns="91425" tIns="91425" rIns="91425" bIns="91425" anchor="t" anchorCtr="0">
-            <a:normAutofit/>
+          <a:bodyPr wrap="square" rtlCol="0">
+            <a:spAutoFit/>
           </a:bodyPr>
           <a:lstStyle/>
           <a:p>
-            <a:pPr marL="0" lvl="0" indent="0" algn="l" rtl="0">
-              <a:spcBef>
-                <a:spcPts val="0"/>
-              </a:spcBef>
-              <a:spcAft>
-                <a:spcPts val="0"/>
-              </a:spcAft>
-              <a:buClr>
-                <a:schemeClr val="dk1"/>
-              </a:buClr>
-              <a:buSzPts val="1100"/>
-              <a:buFont typeface="Arial"/>
-              <a:buNone/>
+            <a:pPr marL="171450" indent="-171450">
+              <a:lnSpc>
+                <a:spcPct val="150000"/>
+              </a:lnSpc>
+              <a:buFont typeface="Arial" panose="020B0604020202020204" pitchFamily="34" charset="0"/>
+              <a:buChar char="•"/>
             </a:pPr>
             <a:r>
-              <a:rPr lang="en-GB" sz="1200" dirty="0">
-                <a:solidFill>
-                  <a:schemeClr val="dk1"/>
-                </a:solidFill>
-                <a:latin typeface="Avenir Next" panose="020B0503020202020204" pitchFamily="34" charset="0"/>
-                <a:ea typeface="Roboto"/>
-                <a:cs typeface="Roboto"/>
-                <a:sym typeface="Roboto"/>
-              </a:rPr>
-              <a:t>…</a:t>
-            </a:r>
-            <a:endParaRPr sz="1200" dirty="0">
-              <a:solidFill>
-                <a:schemeClr val="dk1"/>
-              </a:solidFill>
-              <a:latin typeface="Avenir Next" panose="020B0503020202020204" pitchFamily="34" charset="0"/>
-              <a:ea typeface="Roboto"/>
-              <a:cs typeface="Roboto"/>
-              <a:sym typeface="Roboto"/>
-            </a:endParaRPr>
+              <a:rPr lang="en-IT" sz="1200" dirty="0">
+                <a:latin typeface="Avenir Next" panose="020B0503020202020204" pitchFamily="34" charset="0"/>
+              </a:rPr>
+              <a:t>An underlying DB table is mapped to a corresponing </a:t>
+            </a:r>
+            <a:r>
+              <a:rPr lang="en-IT" sz="1200" b="1" dirty="0">
+                <a:latin typeface="Avenir Next" panose="020B0503020202020204" pitchFamily="34" charset="0"/>
+              </a:rPr>
+              <a:t>class</a:t>
+            </a:r>
+            <a:r>
+              <a:rPr lang="en-IT" sz="1200" dirty="0">
+                <a:latin typeface="Avenir Next" panose="020B0503020202020204" pitchFamily="34" charset="0"/>
+              </a:rPr>
+              <a:t>.</a:t>
+            </a:r>
+          </a:p>
+          <a:p>
+            <a:pPr marL="171450" indent="-171450">
+              <a:lnSpc>
+                <a:spcPct val="150000"/>
+              </a:lnSpc>
+              <a:buFont typeface="Arial" panose="020B0604020202020204" pitchFamily="34" charset="0"/>
+              <a:buChar char="•"/>
+            </a:pPr>
+            <a:r>
+              <a:rPr lang="en-IT" sz="1200" dirty="0">
+                <a:latin typeface="Avenir Next" panose="020B0503020202020204" pitchFamily="34" charset="0"/>
+              </a:rPr>
+              <a:t>The table’s PK attributes are used to build instances of the class.</a:t>
+            </a:r>
+          </a:p>
+          <a:p>
+            <a:pPr marL="171450" indent="-171450">
+              <a:lnSpc>
+                <a:spcPct val="150000"/>
+              </a:lnSpc>
+              <a:buFont typeface="Arial" panose="020B0604020202020204" pitchFamily="34" charset="0"/>
+              <a:buChar char="•"/>
+            </a:pPr>
+            <a:r>
+              <a:rPr lang="en-IT" sz="1200" dirty="0">
+                <a:latin typeface="Avenir Next" panose="020B0503020202020204" pitchFamily="34" charset="0"/>
+              </a:rPr>
+              <a:t>Table attributes are mapped to </a:t>
+            </a:r>
+            <a:r>
+              <a:rPr lang="en-IT" sz="1200" b="1" dirty="0">
+                <a:latin typeface="Avenir Next" panose="020B0503020202020204" pitchFamily="34" charset="0"/>
+              </a:rPr>
+              <a:t>data properties</a:t>
+            </a:r>
+            <a:r>
+              <a:rPr lang="en-IT" sz="1200" dirty="0">
+                <a:latin typeface="Avenir Next" panose="020B0503020202020204" pitchFamily="34" charset="0"/>
+              </a:rPr>
+              <a:t>.</a:t>
+            </a:r>
           </a:p>
         </p:txBody>
       </p:sp>
@@ -8024,6 +8556,719 @@
                 <a:cs typeface="Roboto"/>
                 <a:sym typeface="Roboto"/>
               </a:rPr>
+              <a:t>Mapping patterns - Relationship</a:t>
+            </a:r>
+            <a:endParaRPr b="1" dirty="0">
+              <a:latin typeface="Avenir Next" panose="020B0503020202020204" pitchFamily="34" charset="0"/>
+              <a:ea typeface="Roboto"/>
+              <a:cs typeface="Roboto"/>
+              <a:sym typeface="Roboto"/>
+            </a:endParaRPr>
+          </a:p>
+        </p:txBody>
+      </p:sp>
+      <p:sp>
+        <p:nvSpPr>
+          <p:cNvPr id="8" name="TextBox 7">
+            <a:extLst>
+              <a:ext uri="{FF2B5EF4-FFF2-40B4-BE49-F238E27FC236}">
+                <a16:creationId xmlns:a16="http://schemas.microsoft.com/office/drawing/2014/main" id="{CCC44819-2146-9C3E-87B0-8FF8B140D98E}"/>
+              </a:ext>
+            </a:extLst>
+          </p:cNvPr>
+          <p:cNvSpPr txBox="1"/>
+          <p:nvPr/>
+        </p:nvSpPr>
+        <p:spPr>
+          <a:xfrm>
+            <a:off x="450272" y="2885027"/>
+            <a:ext cx="4543782" cy="900246"/>
+          </a:xfrm>
+          <a:prstGeom prst="rect">
+            <a:avLst/>
+          </a:prstGeom>
+          <a:noFill/>
+        </p:spPr>
+        <p:txBody>
+          <a:bodyPr wrap="square" rtlCol="0">
+            <a:spAutoFit/>
+          </a:bodyPr>
+          <a:lstStyle/>
+          <a:p>
+            <a:pPr marL="171450" indent="-171450">
+              <a:lnSpc>
+                <a:spcPct val="150000"/>
+              </a:lnSpc>
+              <a:buFont typeface="Arial" panose="020B0604020202020204" pitchFamily="34" charset="0"/>
+              <a:buChar char="•"/>
+            </a:pPr>
+            <a:r>
+              <a:rPr lang="en-IT" sz="1200" dirty="0">
+                <a:latin typeface="Avenir Next" panose="020B0503020202020204" pitchFamily="34" charset="0"/>
+              </a:rPr>
+              <a:t>The source table has a PK partitioned into two FKs.</a:t>
+            </a:r>
+          </a:p>
+          <a:p>
+            <a:pPr marL="171450" indent="-171450">
+              <a:lnSpc>
+                <a:spcPct val="150000"/>
+              </a:lnSpc>
+              <a:buFont typeface="Arial" panose="020B0604020202020204" pitchFamily="34" charset="0"/>
+              <a:buChar char="•"/>
+            </a:pPr>
+            <a:r>
+              <a:rPr lang="en-IT" sz="1200" dirty="0">
+                <a:latin typeface="Avenir Next" panose="020B0503020202020204" pitchFamily="34" charset="0"/>
+              </a:rPr>
+              <a:t>U</a:t>
+            </a:r>
+            <a:r>
+              <a:rPr lang="en-GB" sz="1200" dirty="0">
+                <a:latin typeface="Avenir Next" panose="020B0503020202020204" pitchFamily="34" charset="0"/>
+              </a:rPr>
+              <a:t>s</a:t>
+            </a:r>
+            <a:r>
+              <a:rPr lang="en-IT" sz="1200" dirty="0">
+                <a:latin typeface="Avenir Next" panose="020B0503020202020204" pitchFamily="34" charset="0"/>
+              </a:rPr>
+              <a:t>ed to model the </a:t>
+            </a:r>
+            <a:r>
+              <a:rPr lang="en-IT" sz="1200" b="1" dirty="0">
+                <a:latin typeface="Avenir Next" panose="020B0503020202020204" pitchFamily="34" charset="0"/>
+              </a:rPr>
+              <a:t>object properties </a:t>
+            </a:r>
+            <a:r>
+              <a:rPr lang="en-IT" sz="1200" dirty="0">
+                <a:latin typeface="Avenir Next" panose="020B0503020202020204" pitchFamily="34" charset="0"/>
+              </a:rPr>
+              <a:t>stemming for some of the DB’s junction tables.</a:t>
+            </a:r>
+            <a:endParaRPr lang="en-IT" sz="1200" b="1" dirty="0">
+              <a:latin typeface="Avenir Next" panose="020B0503020202020204" pitchFamily="34" charset="0"/>
+            </a:endParaRPr>
+          </a:p>
+        </p:txBody>
+      </p:sp>
+      <p:pic>
+        <p:nvPicPr>
+          <p:cNvPr id="4" name="Picture 3" descr="A screenshot of a computer&#10;&#10;Description automatically generated with medium confidence">
+            <a:extLst>
+              <a:ext uri="{FF2B5EF4-FFF2-40B4-BE49-F238E27FC236}">
+                <a16:creationId xmlns:a16="http://schemas.microsoft.com/office/drawing/2014/main" id="{4B76A593-A7AF-2F40-1697-ACD1B34AE414}"/>
+              </a:ext>
+            </a:extLst>
+          </p:cNvPr>
+          <p:cNvPicPr>
+            <a:picLocks noChangeAspect="1"/>
+          </p:cNvPicPr>
+          <p:nvPr/>
+        </p:nvPicPr>
+        <p:blipFill>
+          <a:blip r:embed="rId3"/>
+          <a:stretch>
+            <a:fillRect/>
+          </a:stretch>
+        </p:blipFill>
+        <p:spPr>
+          <a:xfrm>
+            <a:off x="450272" y="1417829"/>
+            <a:ext cx="4683331" cy="1256098"/>
+          </a:xfrm>
+          <a:prstGeom prst="rect">
+            <a:avLst/>
+          </a:prstGeom>
+        </p:spPr>
+      </p:pic>
+      <p:pic>
+        <p:nvPicPr>
+          <p:cNvPr id="7" name="Picture 6" descr="Graphical user interface, application&#10;&#10;Description automatically generated">
+            <a:extLst>
+              <a:ext uri="{FF2B5EF4-FFF2-40B4-BE49-F238E27FC236}">
+                <a16:creationId xmlns:a16="http://schemas.microsoft.com/office/drawing/2014/main" id="{270AE4C3-57EF-EA4D-A4B8-989DE7FD08AD}"/>
+              </a:ext>
+            </a:extLst>
+          </p:cNvPr>
+          <p:cNvPicPr>
+            <a:picLocks noChangeAspect="1"/>
+          </p:cNvPicPr>
+          <p:nvPr/>
+        </p:nvPicPr>
+        <p:blipFill>
+          <a:blip r:embed="rId4"/>
+          <a:stretch>
+            <a:fillRect/>
+          </a:stretch>
+        </p:blipFill>
+        <p:spPr>
+          <a:xfrm>
+            <a:off x="5133603" y="1408549"/>
+            <a:ext cx="3838247" cy="3289926"/>
+          </a:xfrm>
+          <a:prstGeom prst="rect">
+            <a:avLst/>
+          </a:prstGeom>
+        </p:spPr>
+      </p:pic>
+    </p:spTree>
+    <p:extLst>
+      <p:ext uri="{BB962C8B-B14F-4D97-AF65-F5344CB8AC3E}">
+        <p14:creationId xmlns:p14="http://schemas.microsoft.com/office/powerpoint/2010/main" val="2026926956"/>
+      </p:ext>
+    </p:extLst>
+  </p:cSld>
+  <p:clrMapOvr>
+    <a:masterClrMapping/>
+  </p:clrMapOvr>
+</p:sld>
+</file>
+
+<file path=ppt/slides/slide14.xml><?xml version="1.0" encoding="utf-8"?>
+<p:sld xmlns:a="http://schemas.openxmlformats.org/drawingml/2006/main" xmlns:r="http://schemas.openxmlformats.org/officeDocument/2006/relationships" xmlns:p="http://schemas.openxmlformats.org/presentationml/2006/main">
+  <p:cSld>
+    <p:spTree>
+      <p:nvGrpSpPr>
+        <p:cNvPr id="1" name="Shape 66"/>
+        <p:cNvGrpSpPr/>
+        <p:nvPr/>
+      </p:nvGrpSpPr>
+      <p:grpSpPr>
+        <a:xfrm>
+          <a:off x="0" y="0"/>
+          <a:ext cx="0" cy="0"/>
+          <a:chOff x="0" y="0"/>
+          <a:chExt cx="0" cy="0"/>
+        </a:xfrm>
+      </p:grpSpPr>
+      <p:sp>
+        <p:nvSpPr>
+          <p:cNvPr id="67" name="Google Shape;67;p15"/>
+          <p:cNvSpPr txBox="1">
+            <a:spLocks noGrp="1"/>
+          </p:cNvSpPr>
+          <p:nvPr>
+            <p:ph type="title"/>
+          </p:nvPr>
+        </p:nvSpPr>
+        <p:spPr>
+          <a:xfrm>
+            <a:off x="311700" y="445025"/>
+            <a:ext cx="8520600" cy="572700"/>
+          </a:xfrm>
+          <a:prstGeom prst="rect">
+            <a:avLst/>
+          </a:prstGeom>
+        </p:spPr>
+        <p:txBody>
+          <a:bodyPr spcFirstLastPara="1" wrap="square" lIns="91425" tIns="91425" rIns="91425" bIns="91425" anchor="t" anchorCtr="0">
+            <a:normAutofit fontScale="90000"/>
+          </a:bodyPr>
+          <a:lstStyle/>
+          <a:p>
+            <a:r>
+              <a:rPr lang="en" b="1" dirty="0">
+                <a:latin typeface="Avenir Next" panose="020B0503020202020204" pitchFamily="34" charset="0"/>
+                <a:ea typeface="Roboto"/>
+                <a:cs typeface="Roboto"/>
+                <a:sym typeface="Roboto"/>
+              </a:rPr>
+              <a:t>Mapping patterns - </a:t>
+            </a:r>
+            <a:r>
+              <a:rPr lang="en-GB" b="1" dirty="0">
+                <a:latin typeface="Avenir Next" panose="020B0503020202020204" pitchFamily="34" charset="0"/>
+                <a:ea typeface="Roboto"/>
+                <a:cs typeface="Roboto"/>
+                <a:sym typeface="Roboto"/>
+              </a:rPr>
+              <a:t>Relationship with Merging </a:t>
+            </a:r>
+            <a:br>
+              <a:rPr lang="en-GB" b="1" dirty="0">
+                <a:latin typeface="Avenir Next" panose="020B0503020202020204" pitchFamily="34" charset="0"/>
+                <a:ea typeface="Roboto"/>
+                <a:cs typeface="Roboto"/>
+                <a:sym typeface="Roboto"/>
+              </a:rPr>
+            </a:br>
+            <a:endParaRPr b="1" dirty="0">
+              <a:latin typeface="Avenir Next" panose="020B0503020202020204" pitchFamily="34" charset="0"/>
+              <a:ea typeface="Roboto"/>
+              <a:cs typeface="Roboto"/>
+              <a:sym typeface="Roboto"/>
+            </a:endParaRPr>
+          </a:p>
+        </p:txBody>
+      </p:sp>
+      <p:sp>
+        <p:nvSpPr>
+          <p:cNvPr id="8" name="TextBox 7">
+            <a:extLst>
+              <a:ext uri="{FF2B5EF4-FFF2-40B4-BE49-F238E27FC236}">
+                <a16:creationId xmlns:a16="http://schemas.microsoft.com/office/drawing/2014/main" id="{CCC44819-2146-9C3E-87B0-8FF8B140D98E}"/>
+              </a:ext>
+            </a:extLst>
+          </p:cNvPr>
+          <p:cNvSpPr txBox="1"/>
+          <p:nvPr/>
+        </p:nvSpPr>
+        <p:spPr>
+          <a:xfrm>
+            <a:off x="450272" y="2885027"/>
+            <a:ext cx="4543782" cy="1177245"/>
+          </a:xfrm>
+          <a:prstGeom prst="rect">
+            <a:avLst/>
+          </a:prstGeom>
+          <a:noFill/>
+        </p:spPr>
+        <p:txBody>
+          <a:bodyPr wrap="square" rtlCol="0">
+            <a:spAutoFit/>
+          </a:bodyPr>
+          <a:lstStyle/>
+          <a:p>
+            <a:pPr marL="171450" indent="-171450">
+              <a:lnSpc>
+                <a:spcPct val="150000"/>
+              </a:lnSpc>
+              <a:buFont typeface="Arial" panose="020B0604020202020204" pitchFamily="34" charset="0"/>
+              <a:buChar char="•"/>
+            </a:pPr>
+            <a:r>
+              <a:rPr lang="en-IT" sz="1200" dirty="0">
+                <a:latin typeface="Avenir Next" panose="020B0503020202020204" pitchFamily="34" charset="0"/>
+              </a:rPr>
+              <a:t>U</a:t>
+            </a:r>
+            <a:r>
+              <a:rPr lang="en-GB" sz="1200" dirty="0">
+                <a:latin typeface="Avenir Next" panose="020B0503020202020204" pitchFamily="34" charset="0"/>
+              </a:rPr>
+              <a:t>s</a:t>
+            </a:r>
+            <a:r>
+              <a:rPr lang="en-IT" sz="1200" dirty="0">
+                <a:latin typeface="Avenir Next" panose="020B0503020202020204" pitchFamily="34" charset="0"/>
+              </a:rPr>
+              <a:t>ed to model those </a:t>
+            </a:r>
+            <a:r>
+              <a:rPr lang="en-IT" sz="1200" b="1" dirty="0">
+                <a:latin typeface="Avenir Next" panose="020B0503020202020204" pitchFamily="34" charset="0"/>
+              </a:rPr>
+              <a:t>object properties </a:t>
+            </a:r>
+            <a:r>
+              <a:rPr lang="en-IT" sz="1200" dirty="0">
+                <a:latin typeface="Avenir Next" panose="020B0503020202020204" pitchFamily="34" charset="0"/>
+              </a:rPr>
+              <a:t>represented by FKs in the underlying DB.</a:t>
+            </a:r>
+          </a:p>
+          <a:p>
+            <a:pPr marL="171450" indent="-171450">
+              <a:lnSpc>
+                <a:spcPct val="150000"/>
+              </a:lnSpc>
+              <a:buFont typeface="Arial" panose="020B0604020202020204" pitchFamily="34" charset="0"/>
+              <a:buChar char="•"/>
+            </a:pPr>
+            <a:endParaRPr lang="en-IT" sz="1200" b="1" dirty="0">
+              <a:latin typeface="Avenir Next" panose="020B0503020202020204" pitchFamily="34" charset="0"/>
+            </a:endParaRPr>
+          </a:p>
+          <a:p>
+            <a:pPr>
+              <a:lnSpc>
+                <a:spcPct val="150000"/>
+              </a:lnSpc>
+            </a:pPr>
+            <a:r>
+              <a:rPr lang="en-IT" sz="1200" dirty="0">
+                <a:latin typeface="Avenir Next" panose="020B0503020202020204" pitchFamily="34" charset="0"/>
+              </a:rPr>
+              <a:t>Some mappings are just loosely associated with this pattern.</a:t>
+            </a:r>
+          </a:p>
+        </p:txBody>
+      </p:sp>
+      <p:pic>
+        <p:nvPicPr>
+          <p:cNvPr id="3" name="Picture 2" descr="A screenshot of a computer&#10;&#10;Description automatically generated with medium confidence">
+            <a:extLst>
+              <a:ext uri="{FF2B5EF4-FFF2-40B4-BE49-F238E27FC236}">
+                <a16:creationId xmlns:a16="http://schemas.microsoft.com/office/drawing/2014/main" id="{D1214993-769E-FEF6-1603-C51CB6CD9307}"/>
+              </a:ext>
+            </a:extLst>
+          </p:cNvPr>
+          <p:cNvPicPr>
+            <a:picLocks noChangeAspect="1"/>
+          </p:cNvPicPr>
+          <p:nvPr/>
+        </p:nvPicPr>
+        <p:blipFill>
+          <a:blip r:embed="rId3"/>
+          <a:stretch>
+            <a:fillRect/>
+          </a:stretch>
+        </p:blipFill>
+        <p:spPr>
+          <a:xfrm>
+            <a:off x="450272" y="1408549"/>
+            <a:ext cx="4679290" cy="1207078"/>
+          </a:xfrm>
+          <a:prstGeom prst="rect">
+            <a:avLst/>
+          </a:prstGeom>
+        </p:spPr>
+      </p:pic>
+      <p:pic>
+        <p:nvPicPr>
+          <p:cNvPr id="6" name="Picture 5" descr="Graphical user interface&#10;&#10;Description automatically generated">
+            <a:extLst>
+              <a:ext uri="{FF2B5EF4-FFF2-40B4-BE49-F238E27FC236}">
+                <a16:creationId xmlns:a16="http://schemas.microsoft.com/office/drawing/2014/main" id="{C1302C73-21B3-680A-BC10-5BE6675C546D}"/>
+              </a:ext>
+            </a:extLst>
+          </p:cNvPr>
+          <p:cNvPicPr>
+            <a:picLocks noChangeAspect="1"/>
+          </p:cNvPicPr>
+          <p:nvPr/>
+        </p:nvPicPr>
+        <p:blipFill>
+          <a:blip r:embed="rId4"/>
+          <a:stretch>
+            <a:fillRect/>
+          </a:stretch>
+        </p:blipFill>
+        <p:spPr>
+          <a:xfrm>
+            <a:off x="5143416" y="1401588"/>
+            <a:ext cx="3838247" cy="3296887"/>
+          </a:xfrm>
+          <a:prstGeom prst="rect">
+            <a:avLst/>
+          </a:prstGeom>
+        </p:spPr>
+      </p:pic>
+    </p:spTree>
+    <p:extLst>
+      <p:ext uri="{BB962C8B-B14F-4D97-AF65-F5344CB8AC3E}">
+        <p14:creationId xmlns:p14="http://schemas.microsoft.com/office/powerpoint/2010/main" val="2979212552"/>
+      </p:ext>
+    </p:extLst>
+  </p:cSld>
+  <p:clrMapOvr>
+    <a:masterClrMapping/>
+  </p:clrMapOvr>
+</p:sld>
+</file>
+
+<file path=ppt/slides/slide15.xml><?xml version="1.0" encoding="utf-8"?>
+<p:sld xmlns:a="http://schemas.openxmlformats.org/drawingml/2006/main" xmlns:r="http://schemas.openxmlformats.org/officeDocument/2006/relationships" xmlns:p="http://schemas.openxmlformats.org/presentationml/2006/main">
+  <p:cSld>
+    <p:spTree>
+      <p:nvGrpSpPr>
+        <p:cNvPr id="1" name="Shape 66"/>
+        <p:cNvGrpSpPr/>
+        <p:nvPr/>
+      </p:nvGrpSpPr>
+      <p:grpSpPr>
+        <a:xfrm>
+          <a:off x="0" y="0"/>
+          <a:ext cx="0" cy="0"/>
+          <a:chOff x="0" y="0"/>
+          <a:chExt cx="0" cy="0"/>
+        </a:xfrm>
+      </p:grpSpPr>
+      <p:sp>
+        <p:nvSpPr>
+          <p:cNvPr id="67" name="Google Shape;67;p15"/>
+          <p:cNvSpPr txBox="1">
+            <a:spLocks noGrp="1"/>
+          </p:cNvSpPr>
+          <p:nvPr>
+            <p:ph type="title"/>
+          </p:nvPr>
+        </p:nvSpPr>
+        <p:spPr>
+          <a:xfrm>
+            <a:off x="311700" y="445025"/>
+            <a:ext cx="8520600" cy="572700"/>
+          </a:xfrm>
+          <a:prstGeom prst="rect">
+            <a:avLst/>
+          </a:prstGeom>
+        </p:spPr>
+        <p:txBody>
+          <a:bodyPr spcFirstLastPara="1" wrap="square" lIns="91425" tIns="91425" rIns="91425" bIns="91425" anchor="t" anchorCtr="0">
+            <a:normAutofit fontScale="90000"/>
+          </a:bodyPr>
+          <a:lstStyle/>
+          <a:p>
+            <a:r>
+              <a:rPr lang="en-GB" b="1" dirty="0">
+                <a:latin typeface="Avenir Next" panose="020B0503020202020204" pitchFamily="34" charset="0"/>
+                <a:ea typeface="Roboto"/>
+                <a:cs typeface="Roboto"/>
+                <a:sym typeface="Roboto"/>
+              </a:rPr>
+              <a:t>Mapping patterns – Reified Relationship</a:t>
+            </a:r>
+            <a:br>
+              <a:rPr lang="en-GB" b="1" dirty="0">
+                <a:latin typeface="Avenir Next" panose="020B0503020202020204" pitchFamily="34" charset="0"/>
+                <a:ea typeface="Roboto"/>
+                <a:cs typeface="Roboto"/>
+                <a:sym typeface="Roboto"/>
+              </a:rPr>
+            </a:br>
+            <a:endParaRPr lang="en-GB" b="1" dirty="0">
+              <a:latin typeface="Avenir Next" panose="020B0503020202020204" pitchFamily="34" charset="0"/>
+              <a:ea typeface="Roboto"/>
+              <a:cs typeface="Roboto"/>
+              <a:sym typeface="Roboto"/>
+            </a:endParaRPr>
+          </a:p>
+        </p:txBody>
+      </p:sp>
+      <p:sp>
+        <p:nvSpPr>
+          <p:cNvPr id="8" name="TextBox 7">
+            <a:extLst>
+              <a:ext uri="{FF2B5EF4-FFF2-40B4-BE49-F238E27FC236}">
+                <a16:creationId xmlns:a16="http://schemas.microsoft.com/office/drawing/2014/main" id="{CCC44819-2146-9C3E-87B0-8FF8B140D98E}"/>
+              </a:ext>
+            </a:extLst>
+          </p:cNvPr>
+          <p:cNvSpPr txBox="1"/>
+          <p:nvPr/>
+        </p:nvSpPr>
+        <p:spPr>
+          <a:xfrm>
+            <a:off x="450272" y="2885027"/>
+            <a:ext cx="4543782" cy="1177245"/>
+          </a:xfrm>
+          <a:prstGeom prst="rect">
+            <a:avLst/>
+          </a:prstGeom>
+          <a:noFill/>
+        </p:spPr>
+        <p:txBody>
+          <a:bodyPr wrap="square" rtlCol="0">
+            <a:spAutoFit/>
+          </a:bodyPr>
+          <a:lstStyle/>
+          <a:p>
+            <a:pPr marL="171450" indent="-171450">
+              <a:lnSpc>
+                <a:spcPct val="150000"/>
+              </a:lnSpc>
+              <a:buFont typeface="Arial" panose="020B0604020202020204" pitchFamily="34" charset="0"/>
+              <a:buChar char="•"/>
+            </a:pPr>
+            <a:r>
+              <a:rPr lang="en-GB" sz="1200" dirty="0">
+                <a:latin typeface="Avenir Next" panose="020B0503020202020204" pitchFamily="34" charset="0"/>
+              </a:rPr>
+              <a:t>Models </a:t>
+            </a:r>
+            <a:r>
+              <a:rPr lang="en-GB" sz="1200" b="1" dirty="0">
+                <a:latin typeface="Avenir Next" panose="020B0503020202020204" pitchFamily="34" charset="0"/>
+              </a:rPr>
+              <a:t>classes </a:t>
+            </a:r>
+            <a:r>
+              <a:rPr lang="en-GB" sz="1200" dirty="0">
+                <a:latin typeface="Avenir Next" panose="020B0503020202020204" pitchFamily="34" charset="0"/>
+              </a:rPr>
+              <a:t>that underwent a reification transformation in the ontology.</a:t>
+            </a:r>
+            <a:endParaRPr lang="en-GB" sz="1200" b="1" dirty="0">
+              <a:latin typeface="Avenir Next" panose="020B0503020202020204" pitchFamily="34" charset="0"/>
+            </a:endParaRPr>
+          </a:p>
+          <a:p>
+            <a:pPr marL="171450" indent="-171450">
+              <a:lnSpc>
+                <a:spcPct val="150000"/>
+              </a:lnSpc>
+              <a:buFont typeface="Arial" panose="020B0604020202020204" pitchFamily="34" charset="0"/>
+              <a:buChar char="•"/>
+            </a:pPr>
+            <a:r>
+              <a:rPr lang="en-GB" sz="1200" dirty="0">
+                <a:latin typeface="Avenir Next" panose="020B0503020202020204" pitchFamily="34" charset="0"/>
+              </a:rPr>
+              <a:t>The related </a:t>
+            </a:r>
+            <a:r>
+              <a:rPr lang="en-GB" sz="1200" b="1" dirty="0">
+                <a:latin typeface="Avenir Next" panose="020B0503020202020204" pitchFamily="34" charset="0"/>
+              </a:rPr>
+              <a:t>data </a:t>
+            </a:r>
+            <a:r>
+              <a:rPr lang="en-GB" sz="1200" dirty="0">
+                <a:latin typeface="Avenir Next" panose="020B0503020202020204" pitchFamily="34" charset="0"/>
+              </a:rPr>
+              <a:t>and </a:t>
+            </a:r>
+            <a:r>
+              <a:rPr lang="en-GB" sz="1200" b="1" dirty="0">
+                <a:latin typeface="Avenir Next" panose="020B0503020202020204" pitchFamily="34" charset="0"/>
+              </a:rPr>
+              <a:t>object properties </a:t>
+            </a:r>
+            <a:r>
+              <a:rPr lang="en-GB" sz="1200" dirty="0">
+                <a:latin typeface="Avenir Next" panose="020B0503020202020204" pitchFamily="34" charset="0"/>
+              </a:rPr>
+              <a:t>appear as part of the mapping.</a:t>
+            </a:r>
+            <a:endParaRPr lang="en-IT" sz="1200" dirty="0">
+              <a:latin typeface="Avenir Next" panose="020B0503020202020204" pitchFamily="34" charset="0"/>
+            </a:endParaRPr>
+          </a:p>
+        </p:txBody>
+      </p:sp>
+      <p:pic>
+        <p:nvPicPr>
+          <p:cNvPr id="4" name="Picture 3" descr="Diagram&#10;&#10;Description automatically generated with medium confidence">
+            <a:extLst>
+              <a:ext uri="{FF2B5EF4-FFF2-40B4-BE49-F238E27FC236}">
+                <a16:creationId xmlns:a16="http://schemas.microsoft.com/office/drawing/2014/main" id="{9A6A8E95-73ED-F2EA-A1B1-C6B0E9DC7EEF}"/>
+              </a:ext>
+            </a:extLst>
+          </p:cNvPr>
+          <p:cNvPicPr>
+            <a:picLocks noChangeAspect="1"/>
+          </p:cNvPicPr>
+          <p:nvPr/>
+        </p:nvPicPr>
+        <p:blipFill>
+          <a:blip r:embed="rId3"/>
+          <a:stretch>
+            <a:fillRect/>
+          </a:stretch>
+        </p:blipFill>
+        <p:spPr>
+          <a:xfrm>
+            <a:off x="311700" y="1217795"/>
+            <a:ext cx="4629149" cy="1467161"/>
+          </a:xfrm>
+          <a:prstGeom prst="rect">
+            <a:avLst/>
+          </a:prstGeom>
+        </p:spPr>
+      </p:pic>
+      <p:pic>
+        <p:nvPicPr>
+          <p:cNvPr id="7" name="Picture 6" descr="Graphical user interface, text, application&#10;&#10;Description automatically generated">
+            <a:extLst>
+              <a:ext uri="{FF2B5EF4-FFF2-40B4-BE49-F238E27FC236}">
+                <a16:creationId xmlns:a16="http://schemas.microsoft.com/office/drawing/2014/main" id="{74912517-2FF1-5A97-F538-1AC1BB9606E1}"/>
+              </a:ext>
+            </a:extLst>
+          </p:cNvPr>
+          <p:cNvPicPr>
+            <a:picLocks noChangeAspect="1"/>
+          </p:cNvPicPr>
+          <p:nvPr/>
+        </p:nvPicPr>
+        <p:blipFill>
+          <a:blip r:embed="rId4"/>
+          <a:stretch>
+            <a:fillRect/>
+          </a:stretch>
+        </p:blipFill>
+        <p:spPr>
+          <a:xfrm>
+            <a:off x="5084105" y="1401588"/>
+            <a:ext cx="3904208" cy="3296887"/>
+          </a:xfrm>
+          <a:prstGeom prst="rect">
+            <a:avLst/>
+          </a:prstGeom>
+        </p:spPr>
+      </p:pic>
+    </p:spTree>
+    <p:extLst>
+      <p:ext uri="{BB962C8B-B14F-4D97-AF65-F5344CB8AC3E}">
+        <p14:creationId xmlns:p14="http://schemas.microsoft.com/office/powerpoint/2010/main" val="1469746060"/>
+      </p:ext>
+    </p:extLst>
+  </p:cSld>
+  <p:clrMapOvr>
+    <a:masterClrMapping/>
+  </p:clrMapOvr>
+</p:sld>
+</file>
+
+<file path=ppt/slides/slide16.xml><?xml version="1.0" encoding="utf-8"?>
+<p:sld xmlns:a="http://schemas.openxmlformats.org/drawingml/2006/main" xmlns:r="http://schemas.openxmlformats.org/officeDocument/2006/relationships" xmlns:p="http://schemas.openxmlformats.org/presentationml/2006/main">
+  <p:cSld>
+    <p:spTree>
+      <p:nvGrpSpPr>
+        <p:cNvPr id="1" name="Shape 66"/>
+        <p:cNvGrpSpPr/>
+        <p:nvPr/>
+      </p:nvGrpSpPr>
+      <p:grpSpPr>
+        <a:xfrm>
+          <a:off x="0" y="0"/>
+          <a:ext cx="0" cy="0"/>
+          <a:chOff x="0" y="0"/>
+          <a:chExt cx="0" cy="0"/>
+        </a:xfrm>
+      </p:grpSpPr>
+      <p:sp>
+        <p:nvSpPr>
+          <p:cNvPr id="67" name="Google Shape;67;p15"/>
+          <p:cNvSpPr txBox="1">
+            <a:spLocks noGrp="1"/>
+          </p:cNvSpPr>
+          <p:nvPr>
+            <p:ph type="title"/>
+          </p:nvPr>
+        </p:nvSpPr>
+        <p:spPr>
+          <a:xfrm>
+            <a:off x="311700" y="445025"/>
+            <a:ext cx="8520600" cy="572700"/>
+          </a:xfrm>
+          <a:prstGeom prst="rect">
+            <a:avLst/>
+          </a:prstGeom>
+        </p:spPr>
+        <p:txBody>
+          <a:bodyPr spcFirstLastPara="1" wrap="square" lIns="91425" tIns="91425" rIns="91425" bIns="91425" anchor="t" anchorCtr="0">
+            <a:normAutofit fontScale="90000"/>
+          </a:bodyPr>
+          <a:lstStyle/>
+          <a:p>
+            <a:pPr marL="0" lvl="0" indent="0" algn="l" rtl="0">
+              <a:spcBef>
+                <a:spcPts val="0"/>
+              </a:spcBef>
+              <a:spcAft>
+                <a:spcPts val="0"/>
+              </a:spcAft>
+              <a:buNone/>
+            </a:pPr>
+            <a:r>
+              <a:rPr lang="en" b="1" dirty="0">
+                <a:latin typeface="Avenir Next" panose="020B0503020202020204" pitchFamily="34" charset="0"/>
+                <a:ea typeface="Roboto"/>
+                <a:cs typeface="Roboto"/>
+                <a:sym typeface="Roboto"/>
+              </a:rPr>
               <a:t>Application</a:t>
             </a:r>
             <a:endParaRPr b="1" dirty="0">
@@ -8061,6 +9306,9 @@
           <a:lstStyle/>
           <a:p>
             <a:pPr marL="0" lvl="0" indent="0" algn="l" rtl="0">
+              <a:lnSpc>
+                <a:spcPct val="150000"/>
+              </a:lnSpc>
               <a:spcBef>
                 <a:spcPts val="0"/>
               </a:spcBef>
@@ -8075,6 +9323,18 @@
               <a:buNone/>
             </a:pPr>
             <a:r>
+              <a:rPr lang="en-GB" sz="1200" b="1" dirty="0">
+                <a:solidFill>
+                  <a:schemeClr val="dk1"/>
+                </a:solidFill>
+                <a:latin typeface="Avenir Next" panose="020B0503020202020204" pitchFamily="34" charset="0"/>
+                <a:ea typeface="Roboto"/>
+                <a:cs typeface="Roboto"/>
+                <a:sym typeface="Roboto"/>
+              </a:rPr>
+              <a:t>Web app </a:t>
+            </a:r>
+            <a:r>
               <a:rPr lang="en-GB" sz="1200" dirty="0">
                 <a:solidFill>
                   <a:schemeClr val="dk1"/>
@@ -8084,7 +9344,117 @@
                 <a:cs typeface="Roboto"/>
                 <a:sym typeface="Roboto"/>
               </a:rPr>
-              <a:t>…</a:t>
+              <a:t>written in Python (using the </a:t>
+            </a:r>
+            <a:r>
+              <a:rPr lang="en-GB" sz="1200" dirty="0" err="1">
+                <a:solidFill>
+                  <a:schemeClr val="dk1"/>
+                </a:solidFill>
+                <a:latin typeface="Avenir Next" panose="020B0503020202020204" pitchFamily="34" charset="0"/>
+                <a:ea typeface="Roboto"/>
+                <a:cs typeface="Roboto"/>
+                <a:sym typeface="Roboto"/>
+              </a:rPr>
+              <a:t>PyWebIO</a:t>
+            </a:r>
+            <a:r>
+              <a:rPr lang="en-GB" sz="1200" dirty="0">
+                <a:solidFill>
+                  <a:schemeClr val="dk1"/>
+                </a:solidFill>
+                <a:latin typeface="Avenir Next" panose="020B0503020202020204" pitchFamily="34" charset="0"/>
+                <a:ea typeface="Roboto"/>
+                <a:cs typeface="Roboto"/>
+                <a:sym typeface="Roboto"/>
+              </a:rPr>
+              <a:t> library).</a:t>
+            </a:r>
+          </a:p>
+          <a:p>
+            <a:pPr marL="0" lvl="0" indent="0" algn="l" rtl="0">
+              <a:lnSpc>
+                <a:spcPct val="150000"/>
+              </a:lnSpc>
+              <a:spcBef>
+                <a:spcPts val="0"/>
+              </a:spcBef>
+              <a:spcAft>
+                <a:spcPts val="0"/>
+              </a:spcAft>
+              <a:buClr>
+                <a:schemeClr val="dk1"/>
+              </a:buClr>
+              <a:buSzPts val="1100"/>
+              <a:buFont typeface="Arial"/>
+              <a:buNone/>
+            </a:pPr>
+            <a:r>
+              <a:rPr lang="en-GB" sz="1200" dirty="0">
+                <a:solidFill>
+                  <a:schemeClr val="dk1"/>
+                </a:solidFill>
+                <a:latin typeface="Avenir Next" panose="020B0503020202020204" pitchFamily="34" charset="0"/>
+                <a:ea typeface="Roboto"/>
+                <a:cs typeface="Roboto"/>
+                <a:sym typeface="Roboto"/>
+              </a:rPr>
+              <a:t>Can be seen as an </a:t>
+            </a:r>
+            <a:r>
+              <a:rPr lang="en-GB" sz="1200" b="1" dirty="0">
+                <a:solidFill>
+                  <a:schemeClr val="dk1"/>
+                </a:solidFill>
+                <a:latin typeface="Avenir Next" panose="020B0503020202020204" pitchFamily="34" charset="0"/>
+                <a:ea typeface="Roboto"/>
+                <a:cs typeface="Roboto"/>
+                <a:sym typeface="Roboto"/>
+              </a:rPr>
+              <a:t>interactive markdown document</a:t>
+            </a:r>
+            <a:r>
+              <a:rPr lang="en-GB" sz="1200" dirty="0">
+                <a:solidFill>
+                  <a:schemeClr val="dk1"/>
+                </a:solidFill>
+                <a:latin typeface="Avenir Next" panose="020B0503020202020204" pitchFamily="34" charset="0"/>
+                <a:ea typeface="Roboto"/>
+                <a:cs typeface="Roboto"/>
+                <a:sym typeface="Roboto"/>
+              </a:rPr>
+              <a:t>.</a:t>
+            </a:r>
+          </a:p>
+          <a:p>
+            <a:pPr marL="0" lvl="0" indent="0" algn="l" rtl="0">
+              <a:lnSpc>
+                <a:spcPct val="150000"/>
+              </a:lnSpc>
+              <a:spcBef>
+                <a:spcPts val="0"/>
+              </a:spcBef>
+              <a:spcAft>
+                <a:spcPts val="0"/>
+              </a:spcAft>
+              <a:buClr>
+                <a:schemeClr val="dk1"/>
+              </a:buClr>
+              <a:buSzPts val="1100"/>
+              <a:buFont typeface="Arial"/>
+              <a:buNone/>
+            </a:pPr>
+            <a:r>
+              <a:rPr lang="en-GB" sz="1200" dirty="0">
+                <a:solidFill>
+                  <a:schemeClr val="dk1"/>
+                </a:solidFill>
+                <a:latin typeface="Avenir Next" panose="020B0503020202020204" pitchFamily="34" charset="0"/>
+                <a:ea typeface="Roboto"/>
+                <a:cs typeface="Roboto"/>
+                <a:sym typeface="Roboto"/>
+              </a:rPr>
+              <a:t>Allows to explore functionally all data stored in the underlying DB.</a:t>
             </a:r>
             <a:endParaRPr sz="1200" dirty="0">
               <a:solidFill>
@@ -8098,6 +9468,65 @@
           </a:p>
         </p:txBody>
       </p:sp>
+      <p:pic>
+        <p:nvPicPr>
+          <p:cNvPr id="5" name="Picture 4" descr="Text, letter&#10;&#10;Description automatically generated">
+            <a:extLst>
+              <a:ext uri="{FF2B5EF4-FFF2-40B4-BE49-F238E27FC236}">
+                <a16:creationId xmlns:a16="http://schemas.microsoft.com/office/drawing/2014/main" id="{CB7A26DD-8783-BCA2-3CD0-0DC81669F585}"/>
+              </a:ext>
+            </a:extLst>
+          </p:cNvPr>
+          <p:cNvPicPr>
+            <a:picLocks noChangeAspect="1"/>
+          </p:cNvPicPr>
+          <p:nvPr/>
+        </p:nvPicPr>
+        <p:blipFill>
+          <a:blip r:embed="rId3"/>
+          <a:stretch>
+            <a:fillRect/>
+          </a:stretch>
+        </p:blipFill>
+        <p:spPr>
+          <a:xfrm>
+            <a:off x="5202021" y="800925"/>
+            <a:ext cx="3630279" cy="4210957"/>
+          </a:xfrm>
+          <a:prstGeom prst="rect">
+            <a:avLst/>
+          </a:prstGeom>
+        </p:spPr>
+      </p:pic>
+      <p:pic>
+        <p:nvPicPr>
+          <p:cNvPr id="7" name="Picture 6" descr="Graphical user interface, application&#10;&#10;Description automatically generated">
+            <a:extLst>
+              <a:ext uri="{FF2B5EF4-FFF2-40B4-BE49-F238E27FC236}">
+                <a16:creationId xmlns:a16="http://schemas.microsoft.com/office/drawing/2014/main" id="{5810356B-D1B7-B6DE-1651-2563B3862F41}"/>
+              </a:ext>
+            </a:extLst>
+          </p:cNvPr>
+          <p:cNvPicPr>
+            <a:picLocks noChangeAspect="1"/>
+          </p:cNvPicPr>
+          <p:nvPr/>
+        </p:nvPicPr>
+        <p:blipFill rotWithShape="1">
+          <a:blip r:embed="rId4"/>
+          <a:srcRect t="22857"/>
+          <a:stretch/>
+        </p:blipFill>
+        <p:spPr>
+          <a:xfrm>
+            <a:off x="696447" y="2131282"/>
+            <a:ext cx="3404860" cy="2880600"/>
+          </a:xfrm>
+          <a:prstGeom prst="rect">
+            <a:avLst/>
+          </a:prstGeom>
+        </p:spPr>
+      </p:pic>
     </p:spTree>
     <p:extLst>
       <p:ext uri="{BB962C8B-B14F-4D97-AF65-F5344CB8AC3E}">
@@ -8111,7 +9540,7 @@
 </p:sld>
 </file>
 
-<file path=ppt/slides/slide14.xml><?xml version="1.0" encoding="utf-8"?>
+<file path=ppt/slides/slide17.xml><?xml version="1.0" encoding="utf-8"?>
 <p:sld xmlns:a="http://schemas.openxmlformats.org/drawingml/2006/main" xmlns:r="http://schemas.openxmlformats.org/officeDocument/2006/relationships" xmlns:p="http://schemas.openxmlformats.org/presentationml/2006/main">
   <p:cSld>
     <p:spTree>
@@ -8169,7 +9598,24 @@
                 <a:cs typeface="Roboto"/>
                 <a:sym typeface="Roboto"/>
               </a:rPr>
-              <a:t>Thank you!</a:t>
+              <a:t>Let’s move to </a:t>
+            </a:r>
+            <a:br>
+              <a:rPr lang="en" sz="3900" dirty="0">
+                <a:latin typeface="Avenir Next" panose="020B0503020202020204" pitchFamily="34" charset="0"/>
+                <a:ea typeface="Roboto"/>
+                <a:cs typeface="Roboto"/>
+                <a:sym typeface="Roboto"/>
+              </a:rPr>
+            </a:br>
+            <a:r>
+              <a:rPr lang="en" sz="3900" dirty="0">
+                <a:latin typeface="Avenir Next" panose="020B0503020202020204" pitchFamily="34" charset="0"/>
+                <a:ea typeface="Roboto"/>
+                <a:cs typeface="Roboto"/>
+                <a:sym typeface="Roboto"/>
+              </a:rPr>
+              <a:t>the application</a:t>
             </a:r>
             <a:endParaRPr sz="3900" dirty="0">
               <a:latin typeface="Avenir Next" panose="020B0503020202020204" pitchFamily="34" charset="0"/>
@@ -8438,8 +9884,8 @@
         </p:blipFill>
         <p:spPr>
           <a:xfrm>
-            <a:off x="5091545" y="1938032"/>
-            <a:ext cx="4052455" cy="2984794"/>
+            <a:off x="4883727" y="1891145"/>
+            <a:ext cx="4260273" cy="3137860"/>
           </a:xfrm>
           <a:prstGeom prst="rect">
             <a:avLst/>
@@ -8518,7 +9964,7 @@
                 <a:cs typeface="Roboto"/>
                 <a:sym typeface="Roboto"/>
               </a:rPr>
-              <a:t>that have broadly similar resource bases, enterprise patterns, household livelihoods and constraints, and for which similar development strategies and interventions would be appropriate. ”</a:t>
+              <a:t>that have broadly similar resource bases, enterprise patterns, household livelihoods and constraints, and for which similar development strategies and interventions would be appropriate.”</a:t>
             </a:r>
           </a:p>
         </p:txBody>
@@ -10053,6 +11499,8 @@
                 <a:schemeClr val="dk1"/>
               </a:buClr>
               <a:buSzPts val="1100"/>
+              <a:buFont typeface="Arial" panose="020B0604020202020204" pitchFamily="34" charset="0"/>
+              <a:buChar char="•"/>
             </a:pPr>
             <a:r>
               <a:rPr lang="en-GB" sz="1200" dirty="0">
@@ -10557,8 +12005,520 @@
               <a:t>.</a:t>
             </a:r>
           </a:p>
+          <a:p>
+            <a:pPr marL="0" lvl="0" indent="0" algn="l" rtl="0">
+              <a:lnSpc>
+                <a:spcPct val="150000"/>
+              </a:lnSpc>
+              <a:spcBef>
+                <a:spcPts val="0"/>
+              </a:spcBef>
+              <a:spcAft>
+                <a:spcPts val="0"/>
+              </a:spcAft>
+              <a:buClr>
+                <a:schemeClr val="dk1"/>
+              </a:buClr>
+              <a:buSzPts val="1100"/>
+              <a:buFont typeface="Arial"/>
+              <a:buNone/>
+            </a:pPr>
+            <a:r>
+              <a:rPr lang="en-GB" sz="1200" dirty="0">
+                <a:solidFill>
+                  <a:schemeClr val="dk1"/>
+                </a:solidFill>
+                <a:latin typeface="Avenir Next" panose="020B0503020202020204" pitchFamily="34" charset="0"/>
+                <a:ea typeface="Roboto"/>
+                <a:cs typeface="Roboto"/>
+                <a:sym typeface="Roboto"/>
+              </a:rPr>
+              <a:t>This step allows to make initial observation on:</a:t>
+            </a:r>
+          </a:p>
+          <a:p>
+            <a:pPr marL="171450" indent="-171450">
+              <a:lnSpc>
+                <a:spcPct val="150000"/>
+              </a:lnSpc>
+              <a:buClr>
+                <a:schemeClr val="dk1"/>
+              </a:buClr>
+              <a:buSzPts val="1100"/>
+              <a:buFont typeface="Arial" panose="020B0604020202020204" pitchFamily="34" charset="0"/>
+              <a:buChar char="•"/>
+            </a:pPr>
+            <a:r>
+              <a:rPr lang="en-GB" sz="1200" dirty="0">
+                <a:solidFill>
+                  <a:schemeClr val="dk1"/>
+                </a:solidFill>
+                <a:latin typeface="Avenir Next" panose="020B0503020202020204" pitchFamily="34" charset="0"/>
+                <a:ea typeface="Roboto"/>
+                <a:cs typeface="Roboto"/>
+                <a:sym typeface="Roboto"/>
+              </a:rPr>
+              <a:t>The overall </a:t>
+            </a:r>
+            <a:r>
+              <a:rPr lang="en-GB" sz="1200" b="1" dirty="0">
+                <a:solidFill>
+                  <a:schemeClr val="dk1"/>
+                </a:solidFill>
+                <a:latin typeface="Avenir Next" panose="020B0503020202020204" pitchFamily="34" charset="0"/>
+                <a:ea typeface="Roboto"/>
+                <a:cs typeface="Roboto"/>
+                <a:sym typeface="Roboto"/>
+              </a:rPr>
+              <a:t>shape </a:t>
+            </a:r>
+            <a:r>
+              <a:rPr lang="en-GB" sz="1200" dirty="0">
+                <a:solidFill>
+                  <a:schemeClr val="dk1"/>
+                </a:solidFill>
+                <a:latin typeface="Avenir Next" panose="020B0503020202020204" pitchFamily="34" charset="0"/>
+                <a:ea typeface="Roboto"/>
+                <a:cs typeface="Roboto"/>
+                <a:sym typeface="Roboto"/>
+              </a:rPr>
+              <a:t>of the source files.</a:t>
+            </a:r>
+          </a:p>
+          <a:p>
+            <a:pPr marL="171450" indent="-171450">
+              <a:lnSpc>
+                <a:spcPct val="150000"/>
+              </a:lnSpc>
+              <a:buClr>
+                <a:schemeClr val="dk1"/>
+              </a:buClr>
+              <a:buSzPts val="1100"/>
+              <a:buFont typeface="Arial" panose="020B0604020202020204" pitchFamily="34" charset="0"/>
+              <a:buChar char="•"/>
+            </a:pPr>
+            <a:r>
+              <a:rPr lang="en-GB" sz="1200" dirty="0">
+                <a:solidFill>
+                  <a:schemeClr val="dk1"/>
+                </a:solidFill>
+                <a:latin typeface="Avenir Next" panose="020B0503020202020204" pitchFamily="34" charset="0"/>
+                <a:ea typeface="Roboto"/>
+                <a:cs typeface="Roboto"/>
+                <a:sym typeface="Roboto"/>
+              </a:rPr>
+              <a:t>The degree of </a:t>
+            </a:r>
+            <a:r>
+              <a:rPr lang="en-GB" sz="1200" b="1" dirty="0">
+                <a:solidFill>
+                  <a:schemeClr val="dk1"/>
+                </a:solidFill>
+                <a:latin typeface="Avenir Next" panose="020B0503020202020204" pitchFamily="34" charset="0"/>
+                <a:ea typeface="Roboto"/>
+                <a:cs typeface="Roboto"/>
+                <a:sym typeface="Roboto"/>
+              </a:rPr>
+              <a:t>completeness </a:t>
+            </a:r>
+            <a:r>
+              <a:rPr lang="en-GB" sz="1200" dirty="0">
+                <a:solidFill>
+                  <a:schemeClr val="dk1"/>
+                </a:solidFill>
+                <a:latin typeface="Avenir Next" panose="020B0503020202020204" pitchFamily="34" charset="0"/>
+                <a:ea typeface="Roboto"/>
+                <a:cs typeface="Roboto"/>
+                <a:sym typeface="Roboto"/>
+              </a:rPr>
+              <a:t>of the underlying data.</a:t>
+            </a:r>
+          </a:p>
+          <a:p>
+            <a:pPr marL="171450" indent="-171450">
+              <a:lnSpc>
+                <a:spcPct val="150000"/>
+              </a:lnSpc>
+              <a:buClr>
+                <a:schemeClr val="dk1"/>
+              </a:buClr>
+              <a:buSzPts val="1100"/>
+              <a:buFont typeface="Arial" panose="020B0604020202020204" pitchFamily="34" charset="0"/>
+              <a:buChar char="•"/>
+            </a:pPr>
+            <a:r>
+              <a:rPr lang="en-GB" sz="1200" dirty="0">
+                <a:solidFill>
+                  <a:schemeClr val="dk1"/>
+                </a:solidFill>
+                <a:latin typeface="Avenir Next" panose="020B0503020202020204" pitchFamily="34" charset="0"/>
+                <a:ea typeface="Roboto"/>
+                <a:cs typeface="Roboto"/>
+                <a:sym typeface="Roboto"/>
+              </a:rPr>
+              <a:t>Some characteristics of the data useful at DB design time:</a:t>
+            </a:r>
+          </a:p>
+          <a:p>
+            <a:pPr marL="628650" lvl="1" indent="-171450">
+              <a:lnSpc>
+                <a:spcPct val="150000"/>
+              </a:lnSpc>
+              <a:buClr>
+                <a:schemeClr val="dk1"/>
+              </a:buClr>
+              <a:buSzPts val="1100"/>
+              <a:buFont typeface="Arial" panose="020B0604020202020204" pitchFamily="34" charset="0"/>
+              <a:buChar char="•"/>
+            </a:pPr>
+            <a:r>
+              <a:rPr lang="en-GB" sz="1200" dirty="0">
+                <a:solidFill>
+                  <a:schemeClr val="dk1"/>
+                </a:solidFill>
+                <a:latin typeface="Avenir Next" panose="020B0503020202020204" pitchFamily="34" charset="0"/>
+                <a:ea typeface="Roboto"/>
+                <a:cs typeface="Roboto"/>
+                <a:sym typeface="Roboto"/>
+              </a:rPr>
+              <a:t>Fields containing value lists.</a:t>
+            </a:r>
+          </a:p>
+          <a:p>
+            <a:pPr marL="628650" lvl="1" indent="-171450">
+              <a:lnSpc>
+                <a:spcPct val="150000"/>
+              </a:lnSpc>
+              <a:buClr>
+                <a:schemeClr val="dk1"/>
+              </a:buClr>
+              <a:buSzPts val="1100"/>
+              <a:buFont typeface="Arial" panose="020B0604020202020204" pitchFamily="34" charset="0"/>
+              <a:buChar char="•"/>
+            </a:pPr>
+            <a:r>
+              <a:rPr lang="en-GB" sz="1200" dirty="0" err="1">
+                <a:solidFill>
+                  <a:schemeClr val="dk1"/>
+                </a:solidFill>
+                <a:latin typeface="Avenir Next" panose="020B0503020202020204" pitchFamily="34" charset="0"/>
+                <a:ea typeface="Roboto"/>
+                <a:cs typeface="Roboto"/>
+                <a:sym typeface="Roboto"/>
+              </a:rPr>
+              <a:t>Uniques</a:t>
+            </a:r>
+            <a:r>
+              <a:rPr lang="en-GB" sz="1200" dirty="0">
+                <a:solidFill>
+                  <a:schemeClr val="dk1"/>
+                </a:solidFill>
+                <a:latin typeface="Avenir Next" panose="020B0503020202020204" pitchFamily="34" charset="0"/>
+                <a:ea typeface="Roboto"/>
+                <a:cs typeface="Roboto"/>
+                <a:sym typeface="Roboto"/>
+              </a:rPr>
+              <a:t> / Non-</a:t>
+            </a:r>
+            <a:r>
+              <a:rPr lang="en-GB" sz="1200" dirty="0" err="1">
+                <a:solidFill>
+                  <a:schemeClr val="dk1"/>
+                </a:solidFill>
+                <a:latin typeface="Avenir Next" panose="020B0503020202020204" pitchFamily="34" charset="0"/>
+                <a:ea typeface="Roboto"/>
+                <a:cs typeface="Roboto"/>
+                <a:sym typeface="Roboto"/>
+              </a:rPr>
+              <a:t>Uniques</a:t>
+            </a:r>
+            <a:r>
+              <a:rPr lang="en-GB" sz="1200" dirty="0">
+                <a:solidFill>
+                  <a:schemeClr val="dk1"/>
+                </a:solidFill>
+                <a:latin typeface="Avenir Next" panose="020B0503020202020204" pitchFamily="34" charset="0"/>
+                <a:ea typeface="Roboto"/>
+                <a:cs typeface="Roboto"/>
+                <a:sym typeface="Roboto"/>
+              </a:rPr>
+              <a:t>.</a:t>
+            </a:r>
+          </a:p>
+          <a:p>
+            <a:pPr marL="628650" lvl="1" indent="-171450">
+              <a:lnSpc>
+                <a:spcPct val="150000"/>
+              </a:lnSpc>
+              <a:buClr>
+                <a:schemeClr val="dk1"/>
+              </a:buClr>
+              <a:buSzPts val="1100"/>
+              <a:buFont typeface="Arial" panose="020B0604020202020204" pitchFamily="34" charset="0"/>
+              <a:buChar char="•"/>
+            </a:pPr>
+            <a:r>
+              <a:rPr lang="en-GB" sz="1200" dirty="0">
+                <a:solidFill>
+                  <a:schemeClr val="dk1"/>
+                </a:solidFill>
+                <a:latin typeface="Avenir Next" panose="020B0503020202020204" pitchFamily="34" charset="0"/>
+                <a:ea typeface="Roboto"/>
+                <a:cs typeface="Roboto"/>
+                <a:sym typeface="Roboto"/>
+              </a:rPr>
+              <a:t>…</a:t>
+            </a:r>
+          </a:p>
+          <a:p>
+            <a:pPr marL="628650" lvl="1" indent="-171450">
+              <a:lnSpc>
+                <a:spcPct val="150000"/>
+              </a:lnSpc>
+              <a:buClr>
+                <a:schemeClr val="dk1"/>
+              </a:buClr>
+              <a:buSzPts val="1100"/>
+            </a:pPr>
+            <a:endParaRPr lang="en-GB" sz="1200" dirty="0">
+              <a:solidFill>
+                <a:schemeClr val="dk1"/>
+              </a:solidFill>
+              <a:latin typeface="Avenir Next" panose="020B0503020202020204" pitchFamily="34" charset="0"/>
+              <a:ea typeface="Roboto"/>
+              <a:cs typeface="Roboto"/>
+              <a:sym typeface="Roboto"/>
+            </a:endParaRPr>
+          </a:p>
+          <a:p>
+            <a:pPr marL="171450" indent="-171450">
+              <a:lnSpc>
+                <a:spcPct val="150000"/>
+              </a:lnSpc>
+              <a:buClr>
+                <a:schemeClr val="dk1"/>
+              </a:buClr>
+              <a:buSzPts val="1100"/>
+            </a:pPr>
+            <a:endParaRPr lang="en-GB" sz="1200" dirty="0">
+              <a:solidFill>
+                <a:schemeClr val="dk1"/>
+              </a:solidFill>
+              <a:latin typeface="Avenir Next" panose="020B0503020202020204" pitchFamily="34" charset="0"/>
+              <a:ea typeface="Roboto"/>
+              <a:cs typeface="Roboto"/>
+              <a:sym typeface="Roboto"/>
+            </a:endParaRPr>
+          </a:p>
+          <a:p>
+            <a:pPr marL="0" lvl="0" indent="0" algn="l" rtl="0">
+              <a:lnSpc>
+                <a:spcPct val="150000"/>
+              </a:lnSpc>
+              <a:spcBef>
+                <a:spcPts val="0"/>
+              </a:spcBef>
+              <a:spcAft>
+                <a:spcPts val="0"/>
+              </a:spcAft>
+              <a:buClr>
+                <a:schemeClr val="dk1"/>
+              </a:buClr>
+              <a:buSzPts val="1100"/>
+              <a:buFont typeface="Arial"/>
+              <a:buNone/>
+            </a:pPr>
+            <a:endParaRPr lang="en-GB" sz="1200" dirty="0">
+              <a:solidFill>
+                <a:schemeClr val="dk1"/>
+              </a:solidFill>
+              <a:latin typeface="Avenir Next" panose="020B0503020202020204" pitchFamily="34" charset="0"/>
+              <a:ea typeface="Roboto"/>
+              <a:cs typeface="Roboto"/>
+              <a:sym typeface="Roboto"/>
+            </a:endParaRPr>
+          </a:p>
         </p:txBody>
       </p:sp>
+      <p:pic>
+        <p:nvPicPr>
+          <p:cNvPr id="3" name="Picture 2" descr="Table&#10;&#10;Description automatically generated with medium confidence">
+            <a:extLst>
+              <a:ext uri="{FF2B5EF4-FFF2-40B4-BE49-F238E27FC236}">
+                <a16:creationId xmlns:a16="http://schemas.microsoft.com/office/drawing/2014/main" id="{B7E34917-3DC2-5807-FD92-5C5FC524FC43}"/>
+              </a:ext>
+            </a:extLst>
+          </p:cNvPr>
+          <p:cNvPicPr>
+            <a:picLocks noChangeAspect="1"/>
+          </p:cNvPicPr>
+          <p:nvPr/>
+        </p:nvPicPr>
+        <p:blipFill>
+          <a:blip r:embed="rId3"/>
+          <a:stretch>
+            <a:fillRect/>
+          </a:stretch>
+        </p:blipFill>
+        <p:spPr>
+          <a:xfrm>
+            <a:off x="6039468" y="936551"/>
+            <a:ext cx="1951759" cy="1555750"/>
+          </a:xfrm>
+          <a:prstGeom prst="rect">
+            <a:avLst/>
+          </a:prstGeom>
+        </p:spPr>
+      </p:pic>
+      <p:pic>
+        <p:nvPicPr>
+          <p:cNvPr id="5" name="Picture 4" descr="A picture containing table&#10;&#10;Description automatically generated">
+            <a:extLst>
+              <a:ext uri="{FF2B5EF4-FFF2-40B4-BE49-F238E27FC236}">
+                <a16:creationId xmlns:a16="http://schemas.microsoft.com/office/drawing/2014/main" id="{EC777978-CBF3-698A-9F19-375E928924E6}"/>
+              </a:ext>
+            </a:extLst>
+          </p:cNvPr>
+          <p:cNvPicPr>
+            <a:picLocks noChangeAspect="1"/>
+          </p:cNvPicPr>
+          <p:nvPr/>
+        </p:nvPicPr>
+        <p:blipFill>
+          <a:blip r:embed="rId4"/>
+          <a:stretch>
+            <a:fillRect/>
+          </a:stretch>
+        </p:blipFill>
+        <p:spPr>
+          <a:xfrm>
+            <a:off x="5002068" y="2745078"/>
+            <a:ext cx="3698586" cy="477498"/>
+          </a:xfrm>
+          <a:prstGeom prst="rect">
+            <a:avLst/>
+          </a:prstGeom>
+        </p:spPr>
+      </p:pic>
+      <p:pic>
+        <p:nvPicPr>
+          <p:cNvPr id="7" name="Picture 6" descr="A picture containing text, antenna&#10;&#10;Description automatically generated">
+            <a:extLst>
+              <a:ext uri="{FF2B5EF4-FFF2-40B4-BE49-F238E27FC236}">
+                <a16:creationId xmlns:a16="http://schemas.microsoft.com/office/drawing/2014/main" id="{E489A306-E120-B35C-806A-6B75E51D3377}"/>
+              </a:ext>
+            </a:extLst>
+          </p:cNvPr>
+          <p:cNvPicPr>
+            <a:picLocks noChangeAspect="1"/>
+          </p:cNvPicPr>
+          <p:nvPr/>
+        </p:nvPicPr>
+        <p:blipFill rotWithShape="1">
+          <a:blip r:embed="rId5"/>
+          <a:srcRect t="3840"/>
+          <a:stretch/>
+        </p:blipFill>
+        <p:spPr>
+          <a:xfrm>
+            <a:off x="3462878" y="2651200"/>
+            <a:ext cx="5585664" cy="1989644"/>
+          </a:xfrm>
+          <a:prstGeom prst="rect">
+            <a:avLst/>
+          </a:prstGeom>
+        </p:spPr>
+      </p:pic>
+      <p:pic>
+        <p:nvPicPr>
+          <p:cNvPr id="9" name="Picture 8" descr="A picture containing table&#10;&#10;Description automatically generated">
+            <a:extLst>
+              <a:ext uri="{FF2B5EF4-FFF2-40B4-BE49-F238E27FC236}">
+                <a16:creationId xmlns:a16="http://schemas.microsoft.com/office/drawing/2014/main" id="{4C9926EA-9330-A258-75AE-2043A86B75E3}"/>
+              </a:ext>
+            </a:extLst>
+          </p:cNvPr>
+          <p:cNvPicPr>
+            <a:picLocks noChangeAspect="1"/>
+          </p:cNvPicPr>
+          <p:nvPr/>
+        </p:nvPicPr>
+        <p:blipFill>
+          <a:blip r:embed="rId6"/>
+          <a:stretch>
+            <a:fillRect/>
+          </a:stretch>
+        </p:blipFill>
+        <p:spPr>
+          <a:xfrm>
+            <a:off x="5456340" y="4656734"/>
+            <a:ext cx="3244314" cy="402131"/>
+          </a:xfrm>
+          <a:prstGeom prst="rect">
+            <a:avLst/>
+          </a:prstGeom>
+        </p:spPr>
+      </p:pic>
+      <p:pic>
+        <p:nvPicPr>
+          <p:cNvPr id="11" name="Picture 10" descr="Chart&#10;&#10;Description automatically generated with low confidence">
+            <a:extLst>
+              <a:ext uri="{FF2B5EF4-FFF2-40B4-BE49-F238E27FC236}">
+                <a16:creationId xmlns:a16="http://schemas.microsoft.com/office/drawing/2014/main" id="{5DAF5433-3409-89DC-6CDA-1558638CFC1A}"/>
+              </a:ext>
+            </a:extLst>
+          </p:cNvPr>
+          <p:cNvPicPr>
+            <a:picLocks noChangeAspect="1"/>
+          </p:cNvPicPr>
+          <p:nvPr/>
+        </p:nvPicPr>
+        <p:blipFill>
+          <a:blip r:embed="rId7"/>
+          <a:stretch>
+            <a:fillRect/>
+          </a:stretch>
+        </p:blipFill>
+        <p:spPr>
+          <a:xfrm>
+            <a:off x="4938225" y="3094416"/>
+            <a:ext cx="3341363" cy="896609"/>
+          </a:xfrm>
+          <a:prstGeom prst="rect">
+            <a:avLst/>
+          </a:prstGeom>
+        </p:spPr>
+      </p:pic>
+      <p:pic>
+        <p:nvPicPr>
+          <p:cNvPr id="13" name="Picture 12" descr="Graphical user interface, application&#10;&#10;Description automatically generated">
+            <a:extLst>
+              <a:ext uri="{FF2B5EF4-FFF2-40B4-BE49-F238E27FC236}">
+                <a16:creationId xmlns:a16="http://schemas.microsoft.com/office/drawing/2014/main" id="{22AA3F14-6250-3CF2-DF67-45886F35FC15}"/>
+              </a:ext>
+            </a:extLst>
+          </p:cNvPr>
+          <p:cNvPicPr>
+            <a:picLocks noChangeAspect="1"/>
+          </p:cNvPicPr>
+          <p:nvPr/>
+        </p:nvPicPr>
+        <p:blipFill>
+          <a:blip r:embed="rId8"/>
+          <a:stretch>
+            <a:fillRect/>
+          </a:stretch>
+        </p:blipFill>
+        <p:spPr>
+          <a:xfrm>
+            <a:off x="4258496" y="4043613"/>
+            <a:ext cx="4021092" cy="514410"/>
+          </a:xfrm>
+          <a:prstGeom prst="rect">
+            <a:avLst/>
+          </a:prstGeom>
+        </p:spPr>
+      </p:pic>
     </p:spTree>
     <p:extLst>
       <p:ext uri="{BB962C8B-B14F-4D97-AF65-F5344CB8AC3E}">
@@ -10569,6 +12529,351 @@
   <p:clrMapOvr>
     <a:masterClrMapping/>
   </p:clrMapOvr>
+  <p:timing>
+    <p:tnLst>
+      <p:par>
+        <p:cTn id="1" dur="indefinite" restart="never" nodeType="tmRoot">
+          <p:childTnLst>
+            <p:seq concurrent="1" nextAc="seek">
+              <p:cTn id="2" dur="indefinite" nodeType="mainSeq">
+                <p:childTnLst>
+                  <p:par>
+                    <p:cTn id="3" fill="hold">
+                      <p:stCondLst>
+                        <p:cond delay="indefinite"/>
+                      </p:stCondLst>
+                      <p:childTnLst>
+                        <p:par>
+                          <p:cTn id="4" fill="hold">
+                            <p:stCondLst>
+                              <p:cond delay="0"/>
+                            </p:stCondLst>
+                            <p:childTnLst>
+                              <p:par>
+                                <p:cTn id="5" presetID="1" presetClass="entr" presetSubtype="0" fill="hold" nodeType="clickEffect">
+                                  <p:stCondLst>
+                                    <p:cond delay="0"/>
+                                  </p:stCondLst>
+                                  <p:childTnLst>
+                                    <p:set>
+                                      <p:cBhvr>
+                                        <p:cTn id="6" dur="1" fill="hold">
+                                          <p:stCondLst>
+                                            <p:cond delay="0"/>
+                                          </p:stCondLst>
+                                        </p:cTn>
+                                        <p:tgtEl>
+                                          <p:spTgt spid="3"/>
+                                        </p:tgtEl>
+                                        <p:attrNameLst>
+                                          <p:attrName>style.visibility</p:attrName>
+                                        </p:attrNameLst>
+                                      </p:cBhvr>
+                                      <p:to>
+                                        <p:strVal val="visible"/>
+                                      </p:to>
+                                    </p:set>
+                                  </p:childTnLst>
+                                </p:cTn>
+                              </p:par>
+                            </p:childTnLst>
+                          </p:cTn>
+                        </p:par>
+                      </p:childTnLst>
+                    </p:cTn>
+                  </p:par>
+                  <p:par>
+                    <p:cTn id="7" fill="hold">
+                      <p:stCondLst>
+                        <p:cond delay="indefinite"/>
+                      </p:stCondLst>
+                      <p:childTnLst>
+                        <p:par>
+                          <p:cTn id="8" fill="hold">
+                            <p:stCondLst>
+                              <p:cond delay="0"/>
+                            </p:stCondLst>
+                            <p:childTnLst>
+                              <p:par>
+                                <p:cTn id="9" presetID="1" presetClass="entr" presetSubtype="0" fill="hold" nodeType="clickEffect">
+                                  <p:stCondLst>
+                                    <p:cond delay="0"/>
+                                  </p:stCondLst>
+                                  <p:childTnLst>
+                                    <p:set>
+                                      <p:cBhvr>
+                                        <p:cTn id="10" dur="1" fill="hold">
+                                          <p:stCondLst>
+                                            <p:cond delay="0"/>
+                                          </p:stCondLst>
+                                        </p:cTn>
+                                        <p:tgtEl>
+                                          <p:spTgt spid="5"/>
+                                        </p:tgtEl>
+                                        <p:attrNameLst>
+                                          <p:attrName>style.visibility</p:attrName>
+                                        </p:attrNameLst>
+                                      </p:cBhvr>
+                                      <p:to>
+                                        <p:strVal val="visible"/>
+                                      </p:to>
+                                    </p:set>
+                                  </p:childTnLst>
+                                </p:cTn>
+                              </p:par>
+                            </p:childTnLst>
+                          </p:cTn>
+                        </p:par>
+                      </p:childTnLst>
+                    </p:cTn>
+                  </p:par>
+                  <p:par>
+                    <p:cTn id="11" fill="hold">
+                      <p:stCondLst>
+                        <p:cond delay="indefinite"/>
+                      </p:stCondLst>
+                      <p:childTnLst>
+                        <p:par>
+                          <p:cTn id="12" fill="hold">
+                            <p:stCondLst>
+                              <p:cond delay="0"/>
+                            </p:stCondLst>
+                            <p:childTnLst>
+                              <p:par>
+                                <p:cTn id="13" presetID="1" presetClass="entr" presetSubtype="0" fill="hold" nodeType="clickEffect">
+                                  <p:stCondLst>
+                                    <p:cond delay="0"/>
+                                  </p:stCondLst>
+                                  <p:childTnLst>
+                                    <p:set>
+                                      <p:cBhvr>
+                                        <p:cTn id="14" dur="1" fill="hold">
+                                          <p:stCondLst>
+                                            <p:cond delay="0"/>
+                                          </p:stCondLst>
+                                        </p:cTn>
+                                        <p:tgtEl>
+                                          <p:spTgt spid="7"/>
+                                        </p:tgtEl>
+                                        <p:attrNameLst>
+                                          <p:attrName>style.visibility</p:attrName>
+                                        </p:attrNameLst>
+                                      </p:cBhvr>
+                                      <p:to>
+                                        <p:strVal val="visible"/>
+                                      </p:to>
+                                    </p:set>
+                                  </p:childTnLst>
+                                </p:cTn>
+                              </p:par>
+                              <p:par>
+                                <p:cTn id="15" presetID="1" presetClass="entr" presetSubtype="0" fill="hold" nodeType="withEffect">
+                                  <p:stCondLst>
+                                    <p:cond delay="0"/>
+                                  </p:stCondLst>
+                                  <p:childTnLst>
+                                    <p:set>
+                                      <p:cBhvr>
+                                        <p:cTn id="16" dur="1" fill="hold">
+                                          <p:stCondLst>
+                                            <p:cond delay="0"/>
+                                          </p:stCondLst>
+                                        </p:cTn>
+                                        <p:tgtEl>
+                                          <p:spTgt spid="9"/>
+                                        </p:tgtEl>
+                                        <p:attrNameLst>
+                                          <p:attrName>style.visibility</p:attrName>
+                                        </p:attrNameLst>
+                                      </p:cBhvr>
+                                      <p:to>
+                                        <p:strVal val="visible"/>
+                                      </p:to>
+                                    </p:set>
+                                  </p:childTnLst>
+                                </p:cTn>
+                              </p:par>
+                            </p:childTnLst>
+                          </p:cTn>
+                        </p:par>
+                      </p:childTnLst>
+                    </p:cTn>
+                  </p:par>
+                  <p:par>
+                    <p:cTn id="17" fill="hold">
+                      <p:stCondLst>
+                        <p:cond delay="indefinite"/>
+                      </p:stCondLst>
+                      <p:childTnLst>
+                        <p:par>
+                          <p:cTn id="18" fill="hold">
+                            <p:stCondLst>
+                              <p:cond delay="0"/>
+                            </p:stCondLst>
+                            <p:childTnLst>
+                              <p:par>
+                                <p:cTn id="19" presetID="1" presetClass="exit" presetSubtype="0" fill="hold" nodeType="clickEffect">
+                                  <p:stCondLst>
+                                    <p:cond delay="0"/>
+                                  </p:stCondLst>
+                                  <p:childTnLst>
+                                    <p:set>
+                                      <p:cBhvr>
+                                        <p:cTn id="20" dur="1" fill="hold">
+                                          <p:stCondLst>
+                                            <p:cond delay="0"/>
+                                          </p:stCondLst>
+                                        </p:cTn>
+                                        <p:tgtEl>
+                                          <p:spTgt spid="7"/>
+                                        </p:tgtEl>
+                                        <p:attrNameLst>
+                                          <p:attrName>style.visibility</p:attrName>
+                                        </p:attrNameLst>
+                                      </p:cBhvr>
+                                      <p:to>
+                                        <p:strVal val="hidden"/>
+                                      </p:to>
+                                    </p:set>
+                                  </p:childTnLst>
+                                </p:cTn>
+                              </p:par>
+                              <p:par>
+                                <p:cTn id="21" presetID="1" presetClass="exit" presetSubtype="0" fill="hold" nodeType="withEffect">
+                                  <p:stCondLst>
+                                    <p:cond delay="0"/>
+                                  </p:stCondLst>
+                                  <p:childTnLst>
+                                    <p:set>
+                                      <p:cBhvr>
+                                        <p:cTn id="22" dur="1" fill="hold">
+                                          <p:stCondLst>
+                                            <p:cond delay="0"/>
+                                          </p:stCondLst>
+                                        </p:cTn>
+                                        <p:tgtEl>
+                                          <p:spTgt spid="9"/>
+                                        </p:tgtEl>
+                                        <p:attrNameLst>
+                                          <p:attrName>style.visibility</p:attrName>
+                                        </p:attrNameLst>
+                                      </p:cBhvr>
+                                      <p:to>
+                                        <p:strVal val="hidden"/>
+                                      </p:to>
+                                    </p:set>
+                                  </p:childTnLst>
+                                </p:cTn>
+                              </p:par>
+                              <p:par>
+                                <p:cTn id="23" presetID="1" presetClass="exit" presetSubtype="0" fill="hold" nodeType="withEffect">
+                                  <p:stCondLst>
+                                    <p:cond delay="0"/>
+                                  </p:stCondLst>
+                                  <p:childTnLst>
+                                    <p:set>
+                                      <p:cBhvr>
+                                        <p:cTn id="24" dur="1" fill="hold">
+                                          <p:stCondLst>
+                                            <p:cond delay="0"/>
+                                          </p:stCondLst>
+                                        </p:cTn>
+                                        <p:tgtEl>
+                                          <p:spTgt spid="5"/>
+                                        </p:tgtEl>
+                                        <p:attrNameLst>
+                                          <p:attrName>style.visibility</p:attrName>
+                                        </p:attrNameLst>
+                                      </p:cBhvr>
+                                      <p:to>
+                                        <p:strVal val="hidden"/>
+                                      </p:to>
+                                    </p:set>
+                                  </p:childTnLst>
+                                </p:cTn>
+                              </p:par>
+                              <p:par>
+                                <p:cTn id="25" presetID="1" presetClass="entr" presetSubtype="0" fill="hold" nodeType="withEffect">
+                                  <p:stCondLst>
+                                    <p:cond delay="0"/>
+                                  </p:stCondLst>
+                                  <p:childTnLst>
+                                    <p:set>
+                                      <p:cBhvr>
+                                        <p:cTn id="26" dur="1" fill="hold">
+                                          <p:stCondLst>
+                                            <p:cond delay="0"/>
+                                          </p:stCondLst>
+                                        </p:cTn>
+                                        <p:tgtEl>
+                                          <p:spTgt spid="11"/>
+                                        </p:tgtEl>
+                                        <p:attrNameLst>
+                                          <p:attrName>style.visibility</p:attrName>
+                                        </p:attrNameLst>
+                                      </p:cBhvr>
+                                      <p:to>
+                                        <p:strVal val="visible"/>
+                                      </p:to>
+                                    </p:set>
+                                  </p:childTnLst>
+                                </p:cTn>
+                              </p:par>
+                              <p:par>
+                                <p:cTn id="27" presetID="1" presetClass="entr" presetSubtype="0" fill="hold" nodeType="withEffect">
+                                  <p:stCondLst>
+                                    <p:cond delay="0"/>
+                                  </p:stCondLst>
+                                  <p:childTnLst>
+                                    <p:set>
+                                      <p:cBhvr>
+                                        <p:cTn id="28" dur="1" fill="hold">
+                                          <p:stCondLst>
+                                            <p:cond delay="0"/>
+                                          </p:stCondLst>
+                                        </p:cTn>
+                                        <p:tgtEl>
+                                          <p:spTgt spid="13"/>
+                                        </p:tgtEl>
+                                        <p:attrNameLst>
+                                          <p:attrName>style.visibility</p:attrName>
+                                        </p:attrNameLst>
+                                      </p:cBhvr>
+                                      <p:to>
+                                        <p:strVal val="visible"/>
+                                      </p:to>
+                                    </p:set>
+                                  </p:childTnLst>
+                                </p:cTn>
+                              </p:par>
+                            </p:childTnLst>
+                          </p:cTn>
+                        </p:par>
+                      </p:childTnLst>
+                    </p:cTn>
+                  </p:par>
+                </p:childTnLst>
+              </p:cTn>
+              <p:prevCondLst>
+                <p:cond evt="onPrev" delay="0">
+                  <p:tgtEl>
+                    <p:sldTgt/>
+                  </p:tgtEl>
+                </p:cond>
+              </p:prevCondLst>
+              <p:nextCondLst>
+                <p:cond evt="onNext" delay="0">
+                  <p:tgtEl>
+                    <p:sldTgt/>
+                  </p:tgtEl>
+                </p:cond>
+              </p:nextCondLst>
+            </p:seq>
+          </p:childTnLst>
+        </p:cTn>
+      </p:par>
+    </p:tnLst>
+  </p:timing>
 </p:sld>
 </file>
 
@@ -10601,8 +12906,8 @@
         </p:nvSpPr>
         <p:spPr>
           <a:xfrm>
-            <a:off x="311700" y="445025"/>
-            <a:ext cx="8520600" cy="572700"/>
+            <a:off x="311699" y="445025"/>
+            <a:ext cx="8666045" cy="572700"/>
           </a:xfrm>
           <a:prstGeom prst="rect">
             <a:avLst/>
@@ -10630,7 +12935,7 @@
                 <a:cs typeface="Roboto"/>
                 <a:sym typeface="Roboto"/>
               </a:rPr>
-              <a:t>Database architecture</a:t>
+              <a:t>Database architecture (and second data reformulation)</a:t>
             </a:r>
             <a:endParaRPr b="1" dirty="0">
               <a:latin typeface="Avenir Next" panose="020B0503020202020204" pitchFamily="34" charset="0"/>
@@ -10654,7 +12959,7 @@
         <p:spPr>
           <a:xfrm>
             <a:off x="311700" y="1152475"/>
-            <a:ext cx="8520600" cy="3416400"/>
+            <a:ext cx="3691705" cy="3416400"/>
           </a:xfrm>
           <a:prstGeom prst="rect">
             <a:avLst/>
@@ -10748,7 +13053,7 @@
                 <a:cs typeface="Roboto"/>
                 <a:sym typeface="Roboto"/>
               </a:rPr>
-              <a:t>The proposed architecture is structured around </a:t>
+              <a:t>Structured around </a:t>
             </a:r>
             <a:r>
               <a:rPr lang="en-GB" sz="1200" b="1" dirty="0">
@@ -10830,8 +13135,68 @@
         </p:blipFill>
         <p:spPr>
           <a:xfrm>
-            <a:off x="4779515" y="1745674"/>
-            <a:ext cx="4336777" cy="3314700"/>
+            <a:off x="3827105" y="1017725"/>
+            <a:ext cx="5289187" cy="4042649"/>
+          </a:xfrm>
+          <a:prstGeom prst="rect">
+            <a:avLst/>
+          </a:prstGeom>
+        </p:spPr>
+      </p:pic>
+      <p:pic>
+        <p:nvPicPr>
+          <p:cNvPr id="3" name="Picture 2" descr="Table&#10;&#10;Description automatically generated">
+            <a:extLst>
+              <a:ext uri="{FF2B5EF4-FFF2-40B4-BE49-F238E27FC236}">
+                <a16:creationId xmlns:a16="http://schemas.microsoft.com/office/drawing/2014/main" id="{5EE6E4F5-6148-155E-9C17-D99047D2E0A8}"/>
+              </a:ext>
+            </a:extLst>
+          </p:cNvPr>
+          <p:cNvPicPr>
+            <a:picLocks noChangeAspect="1"/>
+          </p:cNvPicPr>
+          <p:nvPr/>
+        </p:nvPicPr>
+        <p:blipFill>
+          <a:blip r:embed="rId4"/>
+          <a:stretch>
+            <a:fillRect/>
+          </a:stretch>
+        </p:blipFill>
+        <p:spPr>
+          <a:xfrm>
+            <a:off x="388311" y="2438401"/>
+            <a:ext cx="1588683" cy="2621973"/>
+          </a:xfrm>
+          <a:prstGeom prst="rect">
+            <a:avLst/>
+          </a:prstGeom>
+        </p:spPr>
+      </p:pic>
+      <p:pic>
+        <p:nvPicPr>
+          <p:cNvPr id="6" name="Picture 5" descr="Table&#10;&#10;Description automatically generated">
+            <a:extLst>
+              <a:ext uri="{FF2B5EF4-FFF2-40B4-BE49-F238E27FC236}">
+                <a16:creationId xmlns:a16="http://schemas.microsoft.com/office/drawing/2014/main" id="{0D93C4AF-B4FA-7755-D454-5A8D44AA9657}"/>
+              </a:ext>
+            </a:extLst>
+          </p:cNvPr>
+          <p:cNvPicPr>
+            <a:picLocks noChangeAspect="1"/>
+          </p:cNvPicPr>
+          <p:nvPr/>
+        </p:nvPicPr>
+        <p:blipFill>
+          <a:blip r:embed="rId5"/>
+          <a:stretch>
+            <a:fillRect/>
+          </a:stretch>
+        </p:blipFill>
+        <p:spPr>
+          <a:xfrm>
+            <a:off x="2337626" y="2479963"/>
+            <a:ext cx="1407063" cy="2621973"/>
           </a:xfrm>
           <a:prstGeom prst="rect">
             <a:avLst/>
@@ -10848,6 +13213,153 @@
   <p:clrMapOvr>
     <a:masterClrMapping/>
   </p:clrMapOvr>
+  <p:timing>
+    <p:tnLst>
+      <p:par>
+        <p:cTn id="1" dur="indefinite" restart="never" nodeType="tmRoot">
+          <p:childTnLst>
+            <p:seq concurrent="1" nextAc="seek">
+              <p:cTn id="2" dur="indefinite" nodeType="mainSeq">
+                <p:childTnLst>
+                  <p:par>
+                    <p:cTn id="3" fill="hold">
+                      <p:stCondLst>
+                        <p:cond delay="indefinite"/>
+                      </p:stCondLst>
+                      <p:childTnLst>
+                        <p:par>
+                          <p:cTn id="4" fill="hold">
+                            <p:stCondLst>
+                              <p:cond delay="0"/>
+                            </p:stCondLst>
+                            <p:childTnLst>
+                              <p:par>
+                                <p:cTn id="5" presetID="1" presetClass="entr" presetSubtype="0" fill="hold" nodeType="clickEffect">
+                                  <p:stCondLst>
+                                    <p:cond delay="0"/>
+                                  </p:stCondLst>
+                                  <p:childTnLst>
+                                    <p:set>
+                                      <p:cBhvr>
+                                        <p:cTn id="6" dur="1" fill="hold">
+                                          <p:stCondLst>
+                                            <p:cond delay="0"/>
+                                          </p:stCondLst>
+                                        </p:cTn>
+                                        <p:tgtEl>
+                                          <p:spTgt spid="3"/>
+                                        </p:tgtEl>
+                                        <p:attrNameLst>
+                                          <p:attrName>style.visibility</p:attrName>
+                                        </p:attrNameLst>
+                                      </p:cBhvr>
+                                      <p:to>
+                                        <p:strVal val="visible"/>
+                                      </p:to>
+                                    </p:set>
+                                  </p:childTnLst>
+                                </p:cTn>
+                              </p:par>
+                              <p:par>
+                                <p:cTn id="7" presetID="1" presetClass="entr" presetSubtype="0" fill="hold" nodeType="withEffect">
+                                  <p:stCondLst>
+                                    <p:cond delay="0"/>
+                                  </p:stCondLst>
+                                  <p:childTnLst>
+                                    <p:set>
+                                      <p:cBhvr>
+                                        <p:cTn id="8" dur="1" fill="hold">
+                                          <p:stCondLst>
+                                            <p:cond delay="0"/>
+                                          </p:stCondLst>
+                                        </p:cTn>
+                                        <p:tgtEl>
+                                          <p:spTgt spid="6"/>
+                                        </p:tgtEl>
+                                        <p:attrNameLst>
+                                          <p:attrName>style.visibility</p:attrName>
+                                        </p:attrNameLst>
+                                      </p:cBhvr>
+                                      <p:to>
+                                        <p:strVal val="visible"/>
+                                      </p:to>
+                                    </p:set>
+                                  </p:childTnLst>
+                                </p:cTn>
+                              </p:par>
+                            </p:childTnLst>
+                          </p:cTn>
+                        </p:par>
+                      </p:childTnLst>
+                    </p:cTn>
+                  </p:par>
+                  <p:par>
+                    <p:cTn id="9" fill="hold">
+                      <p:stCondLst>
+                        <p:cond delay="indefinite"/>
+                      </p:stCondLst>
+                      <p:childTnLst>
+                        <p:par>
+                          <p:cTn id="10" fill="hold">
+                            <p:stCondLst>
+                              <p:cond delay="0"/>
+                            </p:stCondLst>
+                            <p:childTnLst>
+                              <p:par>
+                                <p:cTn id="11" presetID="1" presetClass="entr" presetSubtype="0" fill="hold" nodeType="clickEffect">
+                                  <p:stCondLst>
+                                    <p:cond delay="0"/>
+                                  </p:stCondLst>
+                                  <p:childTnLst>
+                                    <p:set>
+                                      <p:cBhvr>
+                                        <p:cTn id="12" dur="1" fill="hold">
+                                          <p:stCondLst>
+                                            <p:cond delay="0"/>
+                                          </p:stCondLst>
+                                        </p:cTn>
+                                        <p:tgtEl>
+                                          <p:spTgt spid="4"/>
+                                        </p:tgtEl>
+                                        <p:attrNameLst>
+                                          <p:attrName>style.visibility</p:attrName>
+                                        </p:attrNameLst>
+                                      </p:cBhvr>
+                                      <p:to>
+                                        <p:strVal val="visible"/>
+                                      </p:to>
+                                    </p:set>
+                                  </p:childTnLst>
+                                </p:cTn>
+                              </p:par>
+                            </p:childTnLst>
+                          </p:cTn>
+                        </p:par>
+                      </p:childTnLst>
+                    </p:cTn>
+                  </p:par>
+                </p:childTnLst>
+              </p:cTn>
+              <p:prevCondLst>
+                <p:cond evt="onPrev" delay="0">
+                  <p:tgtEl>
+                    <p:sldTgt/>
+                  </p:tgtEl>
+                </p:cond>
+              </p:prevCondLst>
+              <p:nextCondLst>
+                <p:cond evt="onNext" delay="0">
+                  <p:tgtEl>
+                    <p:sldTgt/>
+                  </p:tgtEl>
+                </p:cond>
+              </p:nextCondLst>
+            </p:seq>
+          </p:childTnLst>
+        </p:cTn>
+      </p:par>
+    </p:tnLst>
+  </p:timing>
 </p:sld>
 </file>
 
@@ -10909,7 +13421,7 @@
                 <a:cs typeface="Roboto"/>
                 <a:sym typeface="Roboto"/>
               </a:rPr>
-              <a:t>IC discovery – Unique </a:t>
+              <a:t>IC discovery </a:t>
             </a:r>
             <a:endParaRPr b="1" dirty="0">
               <a:latin typeface="Avenir Next" panose="020B0503020202020204" pitchFamily="34" charset="0"/>
@@ -10946,6 +13458,9 @@
           <a:lstStyle/>
           <a:p>
             <a:pPr marL="0" lvl="0" indent="0" algn="l" rtl="0">
+              <a:lnSpc>
+                <a:spcPct val="150000"/>
+              </a:lnSpc>
               <a:spcBef>
                 <a:spcPts val="0"/>
               </a:spcBef>
@@ -10969,9 +13484,415 @@
                 <a:cs typeface="Roboto"/>
                 <a:sym typeface="Roboto"/>
               </a:rPr>
-              <a:t>…</a:t>
-            </a:r>
-            <a:endParaRPr sz="1200" dirty="0">
+              <a:t>Executed </a:t>
+            </a:r>
+            <a:r>
+              <a:rPr lang="en-GB" sz="1200" b="1" dirty="0">
+                <a:solidFill>
+                  <a:schemeClr val="dk1"/>
+                </a:solidFill>
+                <a:latin typeface="Avenir Next" panose="020B0503020202020204" pitchFamily="34" charset="0"/>
+                <a:ea typeface="Roboto"/>
+                <a:cs typeface="Roboto"/>
+                <a:sym typeface="Roboto"/>
+              </a:rPr>
+              <a:t>after </a:t>
+            </a:r>
+            <a:r>
+              <a:rPr lang="en-GB" sz="1200" dirty="0">
+                <a:solidFill>
+                  <a:schemeClr val="dk1"/>
+                </a:solidFill>
+                <a:latin typeface="Avenir Next" panose="020B0503020202020204" pitchFamily="34" charset="0"/>
+                <a:ea typeface="Roboto"/>
+                <a:cs typeface="Roboto"/>
+                <a:sym typeface="Roboto"/>
+              </a:rPr>
+              <a:t>the DB design phase.</a:t>
+            </a:r>
+          </a:p>
+          <a:p>
+            <a:pPr marL="0" lvl="0" indent="0" algn="l" rtl="0">
+              <a:lnSpc>
+                <a:spcPct val="150000"/>
+              </a:lnSpc>
+              <a:spcBef>
+                <a:spcPts val="0"/>
+              </a:spcBef>
+              <a:spcAft>
+                <a:spcPts val="0"/>
+              </a:spcAft>
+              <a:buClr>
+                <a:schemeClr val="dk1"/>
+              </a:buClr>
+              <a:buSzPts val="1100"/>
+              <a:buFont typeface="Arial"/>
+              <a:buNone/>
+            </a:pPr>
+            <a:r>
+              <a:rPr lang="en-GB" sz="1200" dirty="0">
+                <a:solidFill>
+                  <a:schemeClr val="dk1"/>
+                </a:solidFill>
+                <a:latin typeface="Avenir Next" panose="020B0503020202020204" pitchFamily="34" charset="0"/>
+                <a:ea typeface="Roboto"/>
+                <a:cs typeface="Roboto"/>
+                <a:sym typeface="Roboto"/>
+              </a:rPr>
+              <a:t>Performed to verify that the created .csv files complied with the proposed DB design.</a:t>
+            </a:r>
+          </a:p>
+          <a:p>
+            <a:pPr marL="0" lvl="0" indent="0" algn="l" rtl="0">
+              <a:lnSpc>
+                <a:spcPct val="150000"/>
+              </a:lnSpc>
+              <a:spcBef>
+                <a:spcPts val="0"/>
+              </a:spcBef>
+              <a:spcAft>
+                <a:spcPts val="0"/>
+              </a:spcAft>
+              <a:buClr>
+                <a:schemeClr val="dk1"/>
+              </a:buClr>
+              <a:buSzPts val="1100"/>
+              <a:buFont typeface="Arial"/>
+              <a:buNone/>
+            </a:pPr>
+            <a:endParaRPr lang="en-GB" sz="1200" dirty="0">
+              <a:solidFill>
+                <a:schemeClr val="dk1"/>
+              </a:solidFill>
+              <a:latin typeface="Avenir Next" panose="020B0503020202020204" pitchFamily="34" charset="0"/>
+              <a:ea typeface="Roboto"/>
+              <a:cs typeface="Roboto"/>
+              <a:sym typeface="Roboto"/>
+            </a:endParaRPr>
+          </a:p>
+          <a:p>
+            <a:pPr marL="0" lvl="0" indent="0" algn="l" rtl="0">
+              <a:lnSpc>
+                <a:spcPct val="150000"/>
+              </a:lnSpc>
+              <a:spcBef>
+                <a:spcPts val="0"/>
+              </a:spcBef>
+              <a:spcAft>
+                <a:spcPts val="0"/>
+              </a:spcAft>
+              <a:buClr>
+                <a:schemeClr val="dk1"/>
+              </a:buClr>
+              <a:buSzPts val="1100"/>
+              <a:buFont typeface="Arial"/>
+              <a:buNone/>
+            </a:pPr>
+            <a:r>
+              <a:rPr lang="en-GB" sz="1200" dirty="0">
+                <a:solidFill>
+                  <a:schemeClr val="dk1"/>
+                </a:solidFill>
+                <a:latin typeface="Avenir Next" panose="020B0503020202020204" pitchFamily="34" charset="0"/>
+                <a:ea typeface="Roboto"/>
+                <a:cs typeface="Roboto"/>
+                <a:sym typeface="Roboto"/>
+              </a:rPr>
+              <a:t>Implemented:</a:t>
+            </a:r>
+          </a:p>
+          <a:p>
+            <a:pPr marL="171450" indent="-171450">
+              <a:lnSpc>
+                <a:spcPct val="150000"/>
+              </a:lnSpc>
+              <a:buClr>
+                <a:schemeClr val="dk1"/>
+              </a:buClr>
+              <a:buSzPts val="1100"/>
+              <a:buFont typeface="Arial" panose="020B0604020202020204" pitchFamily="34" charset="0"/>
+              <a:buChar char="•"/>
+            </a:pPr>
+            <a:r>
+              <a:rPr lang="en-GB" sz="1200" b="1" dirty="0">
+                <a:solidFill>
+                  <a:schemeClr val="dk1"/>
+                </a:solidFill>
+                <a:latin typeface="Avenir Next" panose="020B0503020202020204" pitchFamily="34" charset="0"/>
+                <a:ea typeface="Roboto"/>
+                <a:cs typeface="Roboto"/>
+                <a:sym typeface="Roboto"/>
+              </a:rPr>
+              <a:t>UCC </a:t>
+            </a:r>
+            <a:r>
+              <a:rPr lang="en-GB" sz="1200" dirty="0">
+                <a:solidFill>
+                  <a:schemeClr val="dk1"/>
+                </a:solidFill>
+                <a:latin typeface="Avenir Next" panose="020B0503020202020204" pitchFamily="34" charset="0"/>
+                <a:ea typeface="Roboto"/>
+                <a:cs typeface="Roboto"/>
+                <a:sym typeface="Roboto"/>
+              </a:rPr>
+              <a:t>discovery algorithm based on the bottom-up </a:t>
+            </a:r>
+            <a:r>
+              <a:rPr lang="en-GB" sz="1200" dirty="0" err="1">
+                <a:solidFill>
+                  <a:schemeClr val="dk1"/>
+                </a:solidFill>
+                <a:latin typeface="Avenir Next" panose="020B0503020202020204" pitchFamily="34" charset="0"/>
+                <a:ea typeface="Roboto"/>
+                <a:cs typeface="Roboto"/>
+                <a:sym typeface="Roboto"/>
+              </a:rPr>
+              <a:t>Apriori</a:t>
+            </a:r>
+            <a:r>
+              <a:rPr lang="en-GB" sz="1200" dirty="0">
+                <a:solidFill>
+                  <a:schemeClr val="dk1"/>
+                </a:solidFill>
+                <a:latin typeface="Avenir Next" panose="020B0503020202020204" pitchFamily="34" charset="0"/>
+                <a:ea typeface="Roboto"/>
+                <a:cs typeface="Roboto"/>
+                <a:sym typeface="Roboto"/>
+              </a:rPr>
+              <a:t> approach.</a:t>
+            </a:r>
+          </a:p>
+          <a:p>
+            <a:pPr marL="171450" indent="-171450">
+              <a:lnSpc>
+                <a:spcPct val="150000"/>
+              </a:lnSpc>
+              <a:buClr>
+                <a:schemeClr val="dk1"/>
+              </a:buClr>
+              <a:buSzPts val="1100"/>
+              <a:buFont typeface="Arial" panose="020B0604020202020204" pitchFamily="34" charset="0"/>
+              <a:buChar char="•"/>
+            </a:pPr>
+            <a:r>
+              <a:rPr lang="en-GB" sz="1200" b="1" dirty="0">
+                <a:solidFill>
+                  <a:schemeClr val="dk1"/>
+                </a:solidFill>
+                <a:latin typeface="Avenir Next" panose="020B0503020202020204" pitchFamily="34" charset="0"/>
+                <a:ea typeface="Roboto"/>
+                <a:cs typeface="Roboto"/>
+                <a:sym typeface="Roboto"/>
+              </a:rPr>
+              <a:t>FD </a:t>
+            </a:r>
+            <a:r>
+              <a:rPr lang="en-GB" sz="1200" dirty="0">
+                <a:solidFill>
+                  <a:schemeClr val="dk1"/>
+                </a:solidFill>
+                <a:latin typeface="Avenir Next" panose="020B0503020202020204" pitchFamily="34" charset="0"/>
+                <a:ea typeface="Roboto"/>
+                <a:cs typeface="Roboto"/>
+                <a:sym typeface="Roboto"/>
+              </a:rPr>
+              <a:t>discovery algorithm based on the principles of TANE.</a:t>
+            </a:r>
+          </a:p>
+          <a:p>
+            <a:pPr marL="628650" lvl="1" indent="-171450">
+              <a:lnSpc>
+                <a:spcPct val="150000"/>
+              </a:lnSpc>
+              <a:buClr>
+                <a:schemeClr val="dk1"/>
+              </a:buClr>
+              <a:buSzPts val="1100"/>
+              <a:buFont typeface="Arial" panose="020B0604020202020204" pitchFamily="34" charset="0"/>
+              <a:buChar char="•"/>
+            </a:pPr>
+            <a:r>
+              <a:rPr lang="en-GB" sz="1200" dirty="0">
+                <a:solidFill>
+                  <a:schemeClr val="dk1"/>
+                </a:solidFill>
+                <a:latin typeface="Avenir Next" panose="020B0503020202020204" pitchFamily="34" charset="0"/>
+                <a:ea typeface="Roboto"/>
+                <a:cs typeface="Roboto"/>
+                <a:sym typeface="Roboto"/>
+              </a:rPr>
+              <a:t>Compared the results with the </a:t>
+            </a:r>
+            <a:r>
+              <a:rPr lang="en-GB" sz="1200" dirty="0" err="1">
+                <a:solidFill>
+                  <a:schemeClr val="dk1"/>
+                </a:solidFill>
+                <a:latin typeface="Avenir Next" panose="020B0503020202020204" pitchFamily="34" charset="0"/>
+                <a:ea typeface="Roboto"/>
+                <a:cs typeface="Roboto"/>
+                <a:sym typeface="Roboto"/>
+              </a:rPr>
+              <a:t>Metanome</a:t>
+            </a:r>
+            <a:r>
+              <a:rPr lang="en-GB" sz="1200" dirty="0">
+                <a:solidFill>
+                  <a:schemeClr val="dk1"/>
+                </a:solidFill>
+                <a:latin typeface="Avenir Next" panose="020B0503020202020204" pitchFamily="34" charset="0"/>
+                <a:ea typeface="Roboto"/>
+                <a:cs typeface="Roboto"/>
+                <a:sym typeface="Roboto"/>
+              </a:rPr>
+              <a:t> implementation.</a:t>
+            </a:r>
+          </a:p>
+          <a:p>
+            <a:pPr marL="171450" indent="-171450">
+              <a:lnSpc>
+                <a:spcPct val="150000"/>
+              </a:lnSpc>
+              <a:buClr>
+                <a:schemeClr val="dk1"/>
+              </a:buClr>
+              <a:buSzPts val="1100"/>
+              <a:buFont typeface="Arial" panose="020B0604020202020204" pitchFamily="34" charset="0"/>
+              <a:buChar char="•"/>
+            </a:pPr>
+            <a:r>
+              <a:rPr lang="en-GB" sz="1200" dirty="0">
+                <a:solidFill>
+                  <a:schemeClr val="dk1"/>
+                </a:solidFill>
+                <a:latin typeface="Avenir Next" panose="020B0503020202020204" pitchFamily="34" charset="0"/>
+                <a:ea typeface="Roboto"/>
+                <a:cs typeface="Roboto"/>
+                <a:sym typeface="Roboto"/>
+              </a:rPr>
+              <a:t>Two simple implementation of </a:t>
+            </a:r>
+            <a:r>
+              <a:rPr lang="en-GB" sz="1200" b="1" dirty="0">
+                <a:solidFill>
+                  <a:schemeClr val="dk1"/>
+                </a:solidFill>
+                <a:latin typeface="Avenir Next" panose="020B0503020202020204" pitchFamily="34" charset="0"/>
+                <a:ea typeface="Roboto"/>
+                <a:cs typeface="Roboto"/>
+                <a:sym typeface="Roboto"/>
+              </a:rPr>
+              <a:t>1-ary IND </a:t>
+            </a:r>
+            <a:r>
+              <a:rPr lang="en-GB" sz="1200" dirty="0">
+                <a:solidFill>
+                  <a:schemeClr val="dk1"/>
+                </a:solidFill>
+                <a:latin typeface="Avenir Next" panose="020B0503020202020204" pitchFamily="34" charset="0"/>
+                <a:ea typeface="Roboto"/>
+                <a:cs typeface="Roboto"/>
+                <a:sym typeface="Roboto"/>
+              </a:rPr>
+              <a:t>discovery.</a:t>
+            </a:r>
+          </a:p>
+          <a:p>
+            <a:pPr marL="628650" lvl="1" indent="-171450">
+              <a:lnSpc>
+                <a:spcPct val="150000"/>
+              </a:lnSpc>
+              <a:buClr>
+                <a:schemeClr val="dk1"/>
+              </a:buClr>
+              <a:buSzPts val="1100"/>
+              <a:buFont typeface="Arial" panose="020B0604020202020204" pitchFamily="34" charset="0"/>
+              <a:buChar char="•"/>
+            </a:pPr>
+            <a:r>
+              <a:rPr lang="en-GB" sz="1200" dirty="0" err="1">
+                <a:solidFill>
+                  <a:schemeClr val="dk1"/>
+                </a:solidFill>
+                <a:latin typeface="Avenir Next" panose="020B0503020202020204" pitchFamily="34" charset="0"/>
+                <a:ea typeface="Roboto"/>
+                <a:cs typeface="Roboto"/>
+                <a:sym typeface="Roboto"/>
+              </a:rPr>
+              <a:t>Metanome</a:t>
+            </a:r>
+            <a:r>
+              <a:rPr lang="en-GB" sz="1200" dirty="0">
+                <a:solidFill>
+                  <a:schemeClr val="dk1"/>
+                </a:solidFill>
+                <a:latin typeface="Avenir Next" panose="020B0503020202020204" pitchFamily="34" charset="0"/>
+                <a:ea typeface="Roboto"/>
+                <a:cs typeface="Roboto"/>
+                <a:sym typeface="Roboto"/>
+              </a:rPr>
+              <a:t> implementation of Binder for </a:t>
+            </a:r>
+            <a:r>
+              <a:rPr lang="en-GB" sz="1200" b="1" dirty="0">
+                <a:solidFill>
+                  <a:schemeClr val="dk1"/>
+                </a:solidFill>
+                <a:latin typeface="Avenir Next" panose="020B0503020202020204" pitchFamily="34" charset="0"/>
+                <a:ea typeface="Roboto"/>
+                <a:cs typeface="Roboto"/>
+                <a:sym typeface="Roboto"/>
+              </a:rPr>
+              <a:t>n-</a:t>
+            </a:r>
+            <a:r>
+              <a:rPr lang="en-GB" sz="1200" b="1" dirty="0" err="1">
+                <a:solidFill>
+                  <a:schemeClr val="dk1"/>
+                </a:solidFill>
+                <a:latin typeface="Avenir Next" panose="020B0503020202020204" pitchFamily="34" charset="0"/>
+                <a:ea typeface="Roboto"/>
+                <a:cs typeface="Roboto"/>
+                <a:sym typeface="Roboto"/>
+              </a:rPr>
+              <a:t>ary</a:t>
+            </a:r>
+            <a:r>
+              <a:rPr lang="en-GB" sz="1200" b="1" dirty="0">
+                <a:solidFill>
+                  <a:schemeClr val="dk1"/>
+                </a:solidFill>
+                <a:latin typeface="Avenir Next" panose="020B0503020202020204" pitchFamily="34" charset="0"/>
+                <a:ea typeface="Roboto"/>
+                <a:cs typeface="Roboto"/>
+                <a:sym typeface="Roboto"/>
+              </a:rPr>
+              <a:t> INDs</a:t>
+            </a:r>
+            <a:r>
+              <a:rPr lang="en-GB" sz="1200" dirty="0">
+                <a:solidFill>
+                  <a:schemeClr val="dk1"/>
+                </a:solidFill>
+                <a:latin typeface="Avenir Next" panose="020B0503020202020204" pitchFamily="34" charset="0"/>
+                <a:ea typeface="Roboto"/>
+                <a:cs typeface="Roboto"/>
+                <a:sym typeface="Roboto"/>
+              </a:rPr>
+              <a:t>.</a:t>
+            </a:r>
+          </a:p>
+          <a:p>
+            <a:pPr marL="171450" indent="-171450">
+              <a:lnSpc>
+                <a:spcPct val="150000"/>
+              </a:lnSpc>
+              <a:buClr>
+                <a:schemeClr val="dk1"/>
+              </a:buClr>
+              <a:buSzPts val="1100"/>
+            </a:pPr>
+            <a:endParaRPr sz="1200" b="1" dirty="0">
               <a:solidFill>
                 <a:schemeClr val="dk1"/>
               </a:solidFill>
@@ -10983,6 +13904,36 @@
           </a:p>
         </p:txBody>
       </p:sp>
+      <p:pic>
+        <p:nvPicPr>
+          <p:cNvPr id="3" name="Picture 2" descr="Graphical user interface, text, application, chat or text message&#10;&#10;Description automatically generated">
+            <a:extLst>
+              <a:ext uri="{FF2B5EF4-FFF2-40B4-BE49-F238E27FC236}">
+                <a16:creationId xmlns:a16="http://schemas.microsoft.com/office/drawing/2014/main" id="{2C5D9DF3-B319-7A55-BD34-1B3D8D6EA3F9}"/>
+              </a:ext>
+            </a:extLst>
+          </p:cNvPr>
+          <p:cNvPicPr>
+            <a:picLocks noChangeAspect="1"/>
+          </p:cNvPicPr>
+          <p:nvPr/>
+        </p:nvPicPr>
+        <p:blipFill>
+          <a:blip r:embed="rId3"/>
+          <a:stretch>
+            <a:fillRect/>
+          </a:stretch>
+        </p:blipFill>
+        <p:spPr>
+          <a:xfrm>
+            <a:off x="6055591" y="2149764"/>
+            <a:ext cx="2311400" cy="1079500"/>
+          </a:xfrm>
+          <a:prstGeom prst="rect">
+            <a:avLst/>
+          </a:prstGeom>
+        </p:spPr>
+      </p:pic>
     </p:spTree>
     <p:extLst>
       <p:ext uri="{BB962C8B-B14F-4D97-AF65-F5344CB8AC3E}">
